--- a/HPB-Summit2021/Posters/generic_poster_2021-08.pptx
+++ b/HPB-Summit2021/Posters/generic_poster_2021-08.pptx
@@ -10,7 +10,7 @@
   <p:sldIdLst>
     <p:sldId id="256" r:id="rId2"/>
   </p:sldIdLst>
-  <p:sldSz cx="43891200" cy="32918400"/>
+  <p:sldSz cx="42803763" cy="30275213"/>
   <p:notesSz cx="6858000" cy="9144000"/>
   <p:embeddedFontLst>
     <p:embeddedFont>
@@ -42,7 +42,7 @@
       <a:spcAft>
         <a:spcPct val="0"/>
       </a:spcAft>
-      <a:defRPr sz="3800" kern="1200">
+      <a:defRPr sz="3578" kern="1200">
         <a:solidFill>
           <a:schemeClr val="tx1"/>
         </a:solidFill>
@@ -51,14 +51,14 @@
         <a:cs typeface="+mn-cs"/>
       </a:defRPr>
     </a:lvl1pPr>
-    <a:lvl2pPr marL="457200" algn="l" rtl="0" fontAlgn="base">
+    <a:lvl2pPr marL="430545" algn="l" rtl="0" fontAlgn="base">
       <a:spcBef>
         <a:spcPct val="0"/>
       </a:spcBef>
       <a:spcAft>
         <a:spcPct val="0"/>
       </a:spcAft>
-      <a:defRPr sz="3800" kern="1200">
+      <a:defRPr sz="3578" kern="1200">
         <a:solidFill>
           <a:schemeClr val="tx1"/>
         </a:solidFill>
@@ -67,14 +67,14 @@
         <a:cs typeface="+mn-cs"/>
       </a:defRPr>
     </a:lvl2pPr>
-    <a:lvl3pPr marL="914400" algn="l" rtl="0" fontAlgn="base">
+    <a:lvl3pPr marL="861090" algn="l" rtl="0" fontAlgn="base">
       <a:spcBef>
         <a:spcPct val="0"/>
       </a:spcBef>
       <a:spcAft>
         <a:spcPct val="0"/>
       </a:spcAft>
-      <a:defRPr sz="3800" kern="1200">
+      <a:defRPr sz="3578" kern="1200">
         <a:solidFill>
           <a:schemeClr val="tx1"/>
         </a:solidFill>
@@ -83,14 +83,14 @@
         <a:cs typeface="+mn-cs"/>
       </a:defRPr>
     </a:lvl3pPr>
-    <a:lvl4pPr marL="1371600" algn="l" rtl="0" fontAlgn="base">
+    <a:lvl4pPr marL="1291636" algn="l" rtl="0" fontAlgn="base">
       <a:spcBef>
         <a:spcPct val="0"/>
       </a:spcBef>
       <a:spcAft>
         <a:spcPct val="0"/>
       </a:spcAft>
-      <a:defRPr sz="3800" kern="1200">
+      <a:defRPr sz="3578" kern="1200">
         <a:solidFill>
           <a:schemeClr val="tx1"/>
         </a:solidFill>
@@ -99,14 +99,14 @@
         <a:cs typeface="+mn-cs"/>
       </a:defRPr>
     </a:lvl4pPr>
-    <a:lvl5pPr marL="1828800" algn="l" rtl="0" fontAlgn="base">
+    <a:lvl5pPr marL="1722181" algn="l" rtl="0" fontAlgn="base">
       <a:spcBef>
         <a:spcPct val="0"/>
       </a:spcBef>
       <a:spcAft>
         <a:spcPct val="0"/>
       </a:spcAft>
-      <a:defRPr sz="3800" kern="1200">
+      <a:defRPr sz="3578" kern="1200">
         <a:solidFill>
           <a:schemeClr val="tx1"/>
         </a:solidFill>
@@ -115,8 +115,8 @@
         <a:cs typeface="+mn-cs"/>
       </a:defRPr>
     </a:lvl5pPr>
-    <a:lvl6pPr marL="2286000" algn="l" defTabSz="914400" rtl="0" eaLnBrk="1" latinLnBrk="0" hangingPunct="1">
-      <a:defRPr sz="3800" kern="1200">
+    <a:lvl6pPr marL="2152726" algn="l" defTabSz="861090" rtl="0" eaLnBrk="1" latinLnBrk="0" hangingPunct="1">
+      <a:defRPr sz="3578" kern="1200">
         <a:solidFill>
           <a:schemeClr val="tx1"/>
         </a:solidFill>
@@ -125,8 +125,8 @@
         <a:cs typeface="+mn-cs"/>
       </a:defRPr>
     </a:lvl6pPr>
-    <a:lvl7pPr marL="2743200" algn="l" defTabSz="914400" rtl="0" eaLnBrk="1" latinLnBrk="0" hangingPunct="1">
-      <a:defRPr sz="3800" kern="1200">
+    <a:lvl7pPr marL="2583271" algn="l" defTabSz="861090" rtl="0" eaLnBrk="1" latinLnBrk="0" hangingPunct="1">
+      <a:defRPr sz="3578" kern="1200">
         <a:solidFill>
           <a:schemeClr val="tx1"/>
         </a:solidFill>
@@ -135,8 +135,8 @@
         <a:cs typeface="+mn-cs"/>
       </a:defRPr>
     </a:lvl7pPr>
-    <a:lvl8pPr marL="3200400" algn="l" defTabSz="914400" rtl="0" eaLnBrk="1" latinLnBrk="0" hangingPunct="1">
-      <a:defRPr sz="3800" kern="1200">
+    <a:lvl8pPr marL="3013817" algn="l" defTabSz="861090" rtl="0" eaLnBrk="1" latinLnBrk="0" hangingPunct="1">
+      <a:defRPr sz="3578" kern="1200">
         <a:solidFill>
           <a:schemeClr val="tx1"/>
         </a:solidFill>
@@ -145,8 +145,8 @@
         <a:cs typeface="+mn-cs"/>
       </a:defRPr>
     </a:lvl8pPr>
-    <a:lvl9pPr marL="3657600" algn="l" defTabSz="914400" rtl="0" eaLnBrk="1" latinLnBrk="0" hangingPunct="1">
-      <a:defRPr sz="3800" kern="1200">
+    <a:lvl9pPr marL="3444362" algn="l" defTabSz="861090" rtl="0" eaLnBrk="1" latinLnBrk="0" hangingPunct="1">
+      <a:defRPr sz="3578" kern="1200">
         <a:solidFill>
           <a:schemeClr val="tx1"/>
         </a:solidFill>
@@ -159,12 +159,12 @@
   <p:extLst>
     <p:ext uri="{EFAFB233-063F-42B5-8137-9DF3F51BA10A}">
       <p15:sldGuideLst xmlns:p15="http://schemas.microsoft.com/office/powerpoint/2012/main">
-        <p15:guide id="1" orient="horz" pos="10368">
+        <p15:guide id="1" orient="horz" pos="9536" userDrawn="1">
           <p15:clr>
             <a:srgbClr val="A4A3A4"/>
           </p15:clr>
         </p15:guide>
-        <p15:guide id="2" pos="13824">
+        <p15:guide id="2" pos="13482" userDrawn="1">
           <p15:clr>
             <a:srgbClr val="A4A3A4"/>
           </p15:clr>
@@ -305,8 +305,8 @@
         </p:nvSpPr>
         <p:spPr bwMode="auto">
           <a:xfrm>
-            <a:off x="1143000" y="685800"/>
-            <a:ext cx="4572000" cy="3429000"/>
+            <a:off x="1006475" y="685800"/>
+            <a:ext cx="4845050" cy="3429000"/>
           </a:xfrm>
           <a:prstGeom prst="rect">
             <a:avLst/>
@@ -513,7 +513,7 @@
       <a:spcAft>
         <a:spcPct val="0"/>
       </a:spcAft>
-      <a:defRPr sz="1200" kern="1200">
+      <a:defRPr sz="1130" kern="1200">
         <a:solidFill>
           <a:schemeClr val="tx1"/>
         </a:solidFill>
@@ -522,14 +522,14 @@
         <a:cs typeface="+mn-cs"/>
       </a:defRPr>
     </a:lvl1pPr>
-    <a:lvl2pPr marL="457200" algn="l" rtl="0" eaLnBrk="0" fontAlgn="base" hangingPunct="0">
+    <a:lvl2pPr marL="430545" algn="l" rtl="0" eaLnBrk="0" fontAlgn="base" hangingPunct="0">
       <a:spcBef>
         <a:spcPct val="30000"/>
       </a:spcBef>
       <a:spcAft>
         <a:spcPct val="0"/>
       </a:spcAft>
-      <a:defRPr sz="1200" kern="1200">
+      <a:defRPr sz="1130" kern="1200">
         <a:solidFill>
           <a:schemeClr val="tx1"/>
         </a:solidFill>
@@ -538,14 +538,14 @@
         <a:cs typeface="+mn-cs"/>
       </a:defRPr>
     </a:lvl2pPr>
-    <a:lvl3pPr marL="914400" algn="l" rtl="0" eaLnBrk="0" fontAlgn="base" hangingPunct="0">
+    <a:lvl3pPr marL="861090" algn="l" rtl="0" eaLnBrk="0" fontAlgn="base" hangingPunct="0">
       <a:spcBef>
         <a:spcPct val="30000"/>
       </a:spcBef>
       <a:spcAft>
         <a:spcPct val="0"/>
       </a:spcAft>
-      <a:defRPr sz="1200" kern="1200">
+      <a:defRPr sz="1130" kern="1200">
         <a:solidFill>
           <a:schemeClr val="tx1"/>
         </a:solidFill>
@@ -554,14 +554,14 @@
         <a:cs typeface="+mn-cs"/>
       </a:defRPr>
     </a:lvl3pPr>
-    <a:lvl4pPr marL="1371600" algn="l" rtl="0" eaLnBrk="0" fontAlgn="base" hangingPunct="0">
+    <a:lvl4pPr marL="1291636" algn="l" rtl="0" eaLnBrk="0" fontAlgn="base" hangingPunct="0">
       <a:spcBef>
         <a:spcPct val="30000"/>
       </a:spcBef>
       <a:spcAft>
         <a:spcPct val="0"/>
       </a:spcAft>
-      <a:defRPr sz="1200" kern="1200">
+      <a:defRPr sz="1130" kern="1200">
         <a:solidFill>
           <a:schemeClr val="tx1"/>
         </a:solidFill>
@@ -570,14 +570,14 @@
         <a:cs typeface="+mn-cs"/>
       </a:defRPr>
     </a:lvl4pPr>
-    <a:lvl5pPr marL="1828800" algn="l" rtl="0" eaLnBrk="0" fontAlgn="base" hangingPunct="0">
+    <a:lvl5pPr marL="1722181" algn="l" rtl="0" eaLnBrk="0" fontAlgn="base" hangingPunct="0">
       <a:spcBef>
         <a:spcPct val="30000"/>
       </a:spcBef>
       <a:spcAft>
         <a:spcPct val="0"/>
       </a:spcAft>
-      <a:defRPr sz="1200" kern="1200">
+      <a:defRPr sz="1130" kern="1200">
         <a:solidFill>
           <a:schemeClr val="tx1"/>
         </a:solidFill>
@@ -586,8 +586,8 @@
         <a:cs typeface="+mn-cs"/>
       </a:defRPr>
     </a:lvl5pPr>
-    <a:lvl6pPr marL="2286000" algn="l" defTabSz="914400" rtl="0" eaLnBrk="1" latinLnBrk="0" hangingPunct="1">
-      <a:defRPr sz="1200" kern="1200">
+    <a:lvl6pPr marL="2152726" algn="l" defTabSz="861090" rtl="0" eaLnBrk="1" latinLnBrk="0" hangingPunct="1">
+      <a:defRPr sz="1130" kern="1200">
         <a:solidFill>
           <a:schemeClr val="tx1"/>
         </a:solidFill>
@@ -596,8 +596,8 @@
         <a:cs typeface="+mn-cs"/>
       </a:defRPr>
     </a:lvl6pPr>
-    <a:lvl7pPr marL="2743200" algn="l" defTabSz="914400" rtl="0" eaLnBrk="1" latinLnBrk="0" hangingPunct="1">
-      <a:defRPr sz="1200" kern="1200">
+    <a:lvl7pPr marL="2583271" algn="l" defTabSz="861090" rtl="0" eaLnBrk="1" latinLnBrk="0" hangingPunct="1">
+      <a:defRPr sz="1130" kern="1200">
         <a:solidFill>
           <a:schemeClr val="tx1"/>
         </a:solidFill>
@@ -606,8 +606,8 @@
         <a:cs typeface="+mn-cs"/>
       </a:defRPr>
     </a:lvl7pPr>
-    <a:lvl8pPr marL="3200400" algn="l" defTabSz="914400" rtl="0" eaLnBrk="1" latinLnBrk="0" hangingPunct="1">
-      <a:defRPr sz="1200" kern="1200">
+    <a:lvl8pPr marL="3013817" algn="l" defTabSz="861090" rtl="0" eaLnBrk="1" latinLnBrk="0" hangingPunct="1">
+      <a:defRPr sz="1130" kern="1200">
         <a:solidFill>
           <a:schemeClr val="tx1"/>
         </a:solidFill>
@@ -616,8 +616,8 @@
         <a:cs typeface="+mn-cs"/>
       </a:defRPr>
     </a:lvl8pPr>
-    <a:lvl9pPr marL="3657600" algn="l" defTabSz="914400" rtl="0" eaLnBrk="1" latinLnBrk="0" hangingPunct="1">
-      <a:defRPr sz="1200" kern="1200">
+    <a:lvl9pPr marL="3444362" algn="l" defTabSz="861090" rtl="0" eaLnBrk="1" latinLnBrk="0" hangingPunct="1">
+      <a:defRPr sz="1130" kern="1200">
         <a:solidFill>
           <a:schemeClr val="tx1"/>
         </a:solidFill>
@@ -803,7 +803,12 @@
             <p:ph type="sldImg"/>
           </p:nvPr>
         </p:nvSpPr>
-        <p:spPr/>
+        <p:spPr>
+          <a:xfrm>
+            <a:off x="1006475" y="685800"/>
+            <a:ext cx="4845050" cy="3429000"/>
+          </a:xfrm>
+        </p:spPr>
       </p:sp>
       <p:sp>
         <p:nvSpPr>
@@ -887,8 +892,8 @@
         </p:nvSpPr>
         <p:spPr>
           <a:xfrm>
-            <a:off x="3292475" y="10226675"/>
-            <a:ext cx="37306250" cy="7054850"/>
+            <a:off x="3210903" y="9405523"/>
+            <a:ext cx="36381960" cy="6488380"/>
           </a:xfrm>
         </p:spPr>
         <p:txBody>
@@ -918,8 +923,8 @@
         </p:nvSpPr>
         <p:spPr>
           <a:xfrm>
-            <a:off x="6583363" y="18653125"/>
-            <a:ext cx="30724475" cy="8413750"/>
+            <a:off x="6420256" y="17155371"/>
+            <a:ext cx="29963254" cy="7738167"/>
           </a:xfrm>
         </p:spPr>
         <p:txBody>
@@ -932,35 +937,35 @@
               <a:buNone/>
               <a:defRPr/>
             </a:lvl1pPr>
-            <a:lvl2pPr marL="457200" indent="0" algn="ctr">
+            <a:lvl2pPr marL="427888" indent="0" algn="ctr">
               <a:buNone/>
               <a:defRPr/>
             </a:lvl2pPr>
-            <a:lvl3pPr marL="914400" indent="0" algn="ctr">
+            <a:lvl3pPr marL="855775" indent="0" algn="ctr">
               <a:buNone/>
               <a:defRPr/>
             </a:lvl3pPr>
-            <a:lvl4pPr marL="1371600" indent="0" algn="ctr">
+            <a:lvl4pPr marL="1283663" indent="0" algn="ctr">
               <a:buNone/>
               <a:defRPr/>
             </a:lvl4pPr>
-            <a:lvl5pPr marL="1828800" indent="0" algn="ctr">
+            <a:lvl5pPr marL="1711549" indent="0" algn="ctr">
               <a:buNone/>
               <a:defRPr/>
             </a:lvl5pPr>
-            <a:lvl6pPr marL="2286000" indent="0" algn="ctr">
+            <a:lvl6pPr marL="2139437" indent="0" algn="ctr">
               <a:buNone/>
               <a:defRPr/>
             </a:lvl6pPr>
-            <a:lvl7pPr marL="2743200" indent="0" algn="ctr">
+            <a:lvl7pPr marL="2567324" indent="0" algn="ctr">
               <a:buNone/>
               <a:defRPr/>
             </a:lvl7pPr>
-            <a:lvl8pPr marL="3200400" indent="0" algn="ctr">
+            <a:lvl8pPr marL="2995212" indent="0" algn="ctr">
               <a:buNone/>
               <a:defRPr/>
             </a:lvl8pPr>
-            <a:lvl9pPr marL="3657600" indent="0" algn="ctr">
+            <a:lvl9pPr marL="3423100" indent="0" algn="ctr">
               <a:buNone/>
               <a:defRPr/>
             </a:lvl9pPr>
@@ -1316,8 +1321,8 @@
         </p:nvSpPr>
         <p:spPr>
           <a:xfrm>
-            <a:off x="31821438" y="1317625"/>
-            <a:ext cx="9875837" cy="28089225"/>
+            <a:off x="31033039" y="1211828"/>
+            <a:ext cx="9631156" cy="25833797"/>
           </a:xfrm>
         </p:spPr>
         <p:txBody>
@@ -1347,8 +1352,8 @@
         </p:nvSpPr>
         <p:spPr>
           <a:xfrm>
-            <a:off x="2193925" y="1317625"/>
-            <a:ext cx="29475112" cy="28089225"/>
+            <a:off x="2139569" y="1211828"/>
+            <a:ext cx="28744844" cy="25833797"/>
           </a:xfrm>
         </p:spPr>
         <p:txBody>
@@ -1532,8 +1537,8 @@
         </p:nvSpPr>
         <p:spPr>
           <a:xfrm>
-            <a:off x="2193925" y="1317625"/>
-            <a:ext cx="39503350" cy="5486400"/>
+            <a:off x="2139570" y="1211827"/>
+            <a:ext cx="38524625" cy="5045869"/>
           </a:xfrm>
         </p:spPr>
         <p:txBody>
@@ -1563,8 +1568,8 @@
         </p:nvSpPr>
         <p:spPr>
           <a:xfrm>
-            <a:off x="2193925" y="7680325"/>
-            <a:ext cx="19675475" cy="21726525"/>
+            <a:off x="2139569" y="7063634"/>
+            <a:ext cx="19188001" cy="19981991"/>
           </a:xfrm>
         </p:spPr>
         <p:txBody>
@@ -1623,8 +1628,8 @@
         </p:nvSpPr>
         <p:spPr>
           <a:xfrm>
-            <a:off x="22021800" y="7680325"/>
-            <a:ext cx="19675475" cy="21726525"/>
+            <a:off x="21476194" y="7063634"/>
+            <a:ext cx="19188001" cy="19981991"/>
           </a:xfrm>
         </p:spPr>
         <p:txBody>
@@ -1983,8 +1988,8 @@
         </p:nvSpPr>
         <p:spPr>
           <a:xfrm>
-            <a:off x="3467100" y="21153438"/>
-            <a:ext cx="37307838" cy="6537325"/>
+            <a:off x="3381200" y="19454920"/>
+            <a:ext cx="36383509" cy="6012410"/>
           </a:xfrm>
         </p:spPr>
         <p:txBody>
@@ -1994,7 +1999,7 @@
               <a:defRPr kern="1200" smtId="4294967295"/>
             </a:defPPr>
             <a:lvl1pPr algn="l">
-              <a:defRPr sz="4000" b="1" cap="all"/>
+              <a:defRPr sz="3744" b="1" cap="all"/>
             </a:lvl1pPr>
           </a:lstStyle>
           <a:p>
@@ -2017,8 +2022,8 @@
         </p:nvSpPr>
         <p:spPr>
           <a:xfrm>
-            <a:off x="3467100" y="13952538"/>
-            <a:ext cx="37307838" cy="7200900"/>
+            <a:off x="3381200" y="12832218"/>
+            <a:ext cx="36383509" cy="6622703"/>
           </a:xfrm>
         </p:spPr>
         <p:txBody>
@@ -2029,39 +2034,39 @@
             </a:defPPr>
             <a:lvl1pPr marL="0" indent="0">
               <a:buNone/>
-              <a:defRPr sz="2000"/>
+              <a:defRPr sz="1871"/>
             </a:lvl1pPr>
-            <a:lvl2pPr marL="457200" indent="0">
+            <a:lvl2pPr marL="427888" indent="0">
               <a:buNone/>
-              <a:defRPr sz="1800"/>
+              <a:defRPr sz="1684"/>
             </a:lvl2pPr>
-            <a:lvl3pPr marL="914400" indent="0">
+            <a:lvl3pPr marL="855775" indent="0">
               <a:buNone/>
-              <a:defRPr sz="1600"/>
+              <a:defRPr sz="1498"/>
             </a:lvl3pPr>
-            <a:lvl4pPr marL="1371600" indent="0">
+            <a:lvl4pPr marL="1283663" indent="0">
               <a:buNone/>
-              <a:defRPr sz="1400"/>
+              <a:defRPr sz="1311"/>
             </a:lvl4pPr>
-            <a:lvl5pPr marL="1828800" indent="0">
+            <a:lvl5pPr marL="1711549" indent="0">
               <a:buNone/>
-              <a:defRPr sz="1400"/>
+              <a:defRPr sz="1311"/>
             </a:lvl5pPr>
-            <a:lvl6pPr marL="2286000" indent="0">
+            <a:lvl6pPr marL="2139437" indent="0">
               <a:buNone/>
-              <a:defRPr sz="1400"/>
+              <a:defRPr sz="1311"/>
             </a:lvl6pPr>
-            <a:lvl7pPr marL="2743200" indent="0">
+            <a:lvl7pPr marL="2567324" indent="0">
               <a:buNone/>
-              <a:defRPr sz="1400"/>
+              <a:defRPr sz="1311"/>
             </a:lvl7pPr>
-            <a:lvl8pPr marL="3200400" indent="0">
+            <a:lvl8pPr marL="2995212" indent="0">
               <a:buNone/>
-              <a:defRPr sz="1400"/>
+              <a:defRPr sz="1311"/>
             </a:lvl8pPr>
-            <a:lvl9pPr marL="3657600" indent="0">
+            <a:lvl9pPr marL="3423100" indent="0">
               <a:buNone/>
-              <a:defRPr sz="1400"/>
+              <a:defRPr sz="1311"/>
             </a:lvl9pPr>
           </a:lstStyle>
           <a:p>
@@ -2236,8 +2241,8 @@
         </p:nvSpPr>
         <p:spPr>
           <a:xfrm>
-            <a:off x="2193925" y="7680325"/>
-            <a:ext cx="19675475" cy="21726525"/>
+            <a:off x="2139569" y="7063634"/>
+            <a:ext cx="19188001" cy="19981991"/>
           </a:xfrm>
         </p:spPr>
         <p:txBody>
@@ -2247,31 +2252,31 @@
               <a:defRPr kern="1200" smtId="4294967295"/>
             </a:defPPr>
             <a:lvl1pPr>
-              <a:defRPr sz="2800"/>
+              <a:defRPr sz="2620"/>
             </a:lvl1pPr>
             <a:lvl2pPr>
-              <a:defRPr sz="2400"/>
+              <a:defRPr sz="2246"/>
             </a:lvl2pPr>
             <a:lvl3pPr>
-              <a:defRPr sz="2000"/>
+              <a:defRPr sz="1871"/>
             </a:lvl3pPr>
             <a:lvl4pPr>
-              <a:defRPr sz="1800"/>
+              <a:defRPr sz="1684"/>
             </a:lvl4pPr>
             <a:lvl5pPr>
-              <a:defRPr sz="1800"/>
+              <a:defRPr sz="1684"/>
             </a:lvl5pPr>
             <a:lvl6pPr>
-              <a:defRPr sz="1800"/>
+              <a:defRPr sz="1684"/>
             </a:lvl6pPr>
             <a:lvl7pPr>
-              <a:defRPr sz="1800"/>
+              <a:defRPr sz="1684"/>
             </a:lvl7pPr>
             <a:lvl8pPr>
-              <a:defRPr sz="1800"/>
+              <a:defRPr sz="1684"/>
             </a:lvl8pPr>
             <a:lvl9pPr>
-              <a:defRPr sz="1800"/>
+              <a:defRPr sz="1684"/>
             </a:lvl9pPr>
           </a:lstStyle>
           <a:p>
@@ -2323,8 +2328,8 @@
         </p:nvSpPr>
         <p:spPr>
           <a:xfrm>
-            <a:off x="22021800" y="7680325"/>
-            <a:ext cx="19675475" cy="21726525"/>
+            <a:off x="21476194" y="7063634"/>
+            <a:ext cx="19188001" cy="19981991"/>
           </a:xfrm>
         </p:spPr>
         <p:txBody>
@@ -2334,31 +2339,31 @@
               <a:defRPr kern="1200" smtId="4294967295"/>
             </a:defPPr>
             <a:lvl1pPr>
-              <a:defRPr sz="2800"/>
+              <a:defRPr sz="2620"/>
             </a:lvl1pPr>
             <a:lvl2pPr>
-              <a:defRPr sz="2400"/>
+              <a:defRPr sz="2246"/>
             </a:lvl2pPr>
             <a:lvl3pPr>
-              <a:defRPr sz="2000"/>
+              <a:defRPr sz="1871"/>
             </a:lvl3pPr>
             <a:lvl4pPr>
-              <a:defRPr sz="1800"/>
+              <a:defRPr sz="1684"/>
             </a:lvl4pPr>
             <a:lvl5pPr>
-              <a:defRPr sz="1800"/>
+              <a:defRPr sz="1684"/>
             </a:lvl5pPr>
             <a:lvl6pPr>
-              <a:defRPr sz="1800"/>
+              <a:defRPr sz="1684"/>
             </a:lvl6pPr>
             <a:lvl7pPr>
-              <a:defRPr sz="1800"/>
+              <a:defRPr sz="1684"/>
             </a:lvl7pPr>
             <a:lvl8pPr>
-              <a:defRPr sz="1800"/>
+              <a:defRPr sz="1684"/>
             </a:lvl8pPr>
             <a:lvl9pPr>
-              <a:defRPr sz="1800"/>
+              <a:defRPr sz="1684"/>
             </a:lvl9pPr>
           </a:lstStyle>
           <a:p>
@@ -2564,8 +2569,8 @@
         </p:nvSpPr>
         <p:spPr>
           <a:xfrm>
-            <a:off x="2193925" y="7369175"/>
-            <a:ext cx="19392900" cy="3070225"/>
+            <a:off x="2139569" y="6777467"/>
+            <a:ext cx="18912427" cy="2823701"/>
           </a:xfrm>
         </p:spPr>
         <p:txBody>
@@ -2576,39 +2581,39 @@
             </a:defPPr>
             <a:lvl1pPr marL="0" indent="0">
               <a:buNone/>
-              <a:defRPr sz="2400" b="1"/>
+              <a:defRPr sz="2246" b="1"/>
             </a:lvl1pPr>
-            <a:lvl2pPr marL="457200" indent="0">
+            <a:lvl2pPr marL="427888" indent="0">
               <a:buNone/>
-              <a:defRPr sz="2000" b="1"/>
+              <a:defRPr sz="1871" b="1"/>
             </a:lvl2pPr>
-            <a:lvl3pPr marL="914400" indent="0">
+            <a:lvl3pPr marL="855775" indent="0">
               <a:buNone/>
-              <a:defRPr sz="1800" b="1"/>
+              <a:defRPr sz="1684" b="1"/>
             </a:lvl3pPr>
-            <a:lvl4pPr marL="1371600" indent="0">
+            <a:lvl4pPr marL="1283663" indent="0">
               <a:buNone/>
-              <a:defRPr sz="1600" b="1"/>
+              <a:defRPr sz="1498" b="1"/>
             </a:lvl4pPr>
-            <a:lvl5pPr marL="1828800" indent="0">
+            <a:lvl5pPr marL="1711549" indent="0">
               <a:buNone/>
-              <a:defRPr sz="1600" b="1"/>
+              <a:defRPr sz="1498" b="1"/>
             </a:lvl5pPr>
-            <a:lvl6pPr marL="2286000" indent="0">
+            <a:lvl6pPr marL="2139437" indent="0">
               <a:buNone/>
-              <a:defRPr sz="1600" b="1"/>
+              <a:defRPr sz="1498" b="1"/>
             </a:lvl6pPr>
-            <a:lvl7pPr marL="2743200" indent="0">
+            <a:lvl7pPr marL="2567324" indent="0">
               <a:buNone/>
-              <a:defRPr sz="1600" b="1"/>
+              <a:defRPr sz="1498" b="1"/>
             </a:lvl7pPr>
-            <a:lvl8pPr marL="3200400" indent="0">
+            <a:lvl8pPr marL="2995212" indent="0">
               <a:buNone/>
-              <a:defRPr sz="1600" b="1"/>
+              <a:defRPr sz="1498" b="1"/>
             </a:lvl8pPr>
-            <a:lvl9pPr marL="3657600" indent="0">
+            <a:lvl9pPr marL="3423100" indent="0">
               <a:buNone/>
-              <a:defRPr sz="1600" b="1"/>
+              <a:defRPr sz="1498" b="1"/>
             </a:lvl9pPr>
           </a:lstStyle>
           <a:p>
@@ -2632,8 +2637,8 @@
         </p:nvSpPr>
         <p:spPr>
           <a:xfrm>
-            <a:off x="2193925" y="10439400"/>
-            <a:ext cx="19392900" cy="18965862"/>
+            <a:off x="2139569" y="9601167"/>
+            <a:ext cx="18912427" cy="17442996"/>
           </a:xfrm>
         </p:spPr>
         <p:txBody>
@@ -2643,31 +2648,31 @@
               <a:defRPr kern="1200" smtId="4294967295"/>
             </a:defPPr>
             <a:lvl1pPr>
-              <a:defRPr sz="2400"/>
+              <a:defRPr sz="2246"/>
             </a:lvl1pPr>
             <a:lvl2pPr>
-              <a:defRPr sz="2000"/>
+              <a:defRPr sz="1871"/>
             </a:lvl2pPr>
             <a:lvl3pPr>
-              <a:defRPr sz="1800"/>
+              <a:defRPr sz="1684"/>
             </a:lvl3pPr>
             <a:lvl4pPr>
-              <a:defRPr sz="1600"/>
+              <a:defRPr sz="1498"/>
             </a:lvl4pPr>
             <a:lvl5pPr>
-              <a:defRPr sz="1600"/>
+              <a:defRPr sz="1498"/>
             </a:lvl5pPr>
             <a:lvl6pPr>
-              <a:defRPr sz="1600"/>
+              <a:defRPr sz="1498"/>
             </a:lvl6pPr>
             <a:lvl7pPr>
-              <a:defRPr sz="1600"/>
+              <a:defRPr sz="1498"/>
             </a:lvl7pPr>
             <a:lvl8pPr>
-              <a:defRPr sz="1600"/>
+              <a:defRPr sz="1498"/>
             </a:lvl8pPr>
             <a:lvl9pPr>
-              <a:defRPr sz="1600"/>
+              <a:defRPr sz="1498"/>
             </a:lvl9pPr>
           </a:lstStyle>
           <a:p>
@@ -2719,8 +2724,8 @@
         </p:nvSpPr>
         <p:spPr>
           <a:xfrm>
-            <a:off x="22296438" y="7369175"/>
-            <a:ext cx="19400838" cy="3070225"/>
+            <a:off x="21744028" y="6777467"/>
+            <a:ext cx="18920168" cy="2823701"/>
           </a:xfrm>
         </p:spPr>
         <p:txBody>
@@ -2731,39 +2736,39 @@
             </a:defPPr>
             <a:lvl1pPr marL="0" indent="0">
               <a:buNone/>
-              <a:defRPr sz="2400" b="1"/>
+              <a:defRPr sz="2246" b="1"/>
             </a:lvl1pPr>
-            <a:lvl2pPr marL="457200" indent="0">
+            <a:lvl2pPr marL="427888" indent="0">
               <a:buNone/>
-              <a:defRPr sz="2000" b="1"/>
+              <a:defRPr sz="1871" b="1"/>
             </a:lvl2pPr>
-            <a:lvl3pPr marL="914400" indent="0">
+            <a:lvl3pPr marL="855775" indent="0">
               <a:buNone/>
-              <a:defRPr sz="1800" b="1"/>
+              <a:defRPr sz="1684" b="1"/>
             </a:lvl3pPr>
-            <a:lvl4pPr marL="1371600" indent="0">
+            <a:lvl4pPr marL="1283663" indent="0">
               <a:buNone/>
-              <a:defRPr sz="1600" b="1"/>
+              <a:defRPr sz="1498" b="1"/>
             </a:lvl4pPr>
-            <a:lvl5pPr marL="1828800" indent="0">
+            <a:lvl5pPr marL="1711549" indent="0">
               <a:buNone/>
-              <a:defRPr sz="1600" b="1"/>
+              <a:defRPr sz="1498" b="1"/>
             </a:lvl5pPr>
-            <a:lvl6pPr marL="2286000" indent="0">
+            <a:lvl6pPr marL="2139437" indent="0">
               <a:buNone/>
-              <a:defRPr sz="1600" b="1"/>
+              <a:defRPr sz="1498" b="1"/>
             </a:lvl6pPr>
-            <a:lvl7pPr marL="2743200" indent="0">
+            <a:lvl7pPr marL="2567324" indent="0">
               <a:buNone/>
-              <a:defRPr sz="1600" b="1"/>
+              <a:defRPr sz="1498" b="1"/>
             </a:lvl7pPr>
-            <a:lvl8pPr marL="3200400" indent="0">
+            <a:lvl8pPr marL="2995212" indent="0">
               <a:buNone/>
-              <a:defRPr sz="1600" b="1"/>
+              <a:defRPr sz="1498" b="1"/>
             </a:lvl8pPr>
-            <a:lvl9pPr marL="3657600" indent="0">
+            <a:lvl9pPr marL="3423100" indent="0">
               <a:buNone/>
-              <a:defRPr sz="1600" b="1"/>
+              <a:defRPr sz="1498" b="1"/>
             </a:lvl9pPr>
           </a:lstStyle>
           <a:p>
@@ -2787,8 +2792,8 @@
         </p:nvSpPr>
         <p:spPr>
           <a:xfrm>
-            <a:off x="22296438" y="10439400"/>
-            <a:ext cx="19400838" cy="18965862"/>
+            <a:off x="21744028" y="9601167"/>
+            <a:ext cx="18920168" cy="17442996"/>
           </a:xfrm>
         </p:spPr>
         <p:txBody>
@@ -2798,31 +2803,31 @@
               <a:defRPr kern="1200" smtId="4294967295"/>
             </a:defPPr>
             <a:lvl1pPr>
-              <a:defRPr sz="2400"/>
+              <a:defRPr sz="2246"/>
             </a:lvl1pPr>
             <a:lvl2pPr>
-              <a:defRPr sz="2000"/>
+              <a:defRPr sz="1871"/>
             </a:lvl2pPr>
             <a:lvl3pPr>
-              <a:defRPr sz="1800"/>
+              <a:defRPr sz="1684"/>
             </a:lvl3pPr>
             <a:lvl4pPr>
-              <a:defRPr sz="1600"/>
+              <a:defRPr sz="1498"/>
             </a:lvl4pPr>
             <a:lvl5pPr>
-              <a:defRPr sz="1600"/>
+              <a:defRPr sz="1498"/>
             </a:lvl5pPr>
             <a:lvl6pPr>
-              <a:defRPr sz="1600"/>
+              <a:defRPr sz="1498"/>
             </a:lvl6pPr>
             <a:lvl7pPr>
-              <a:defRPr sz="1600"/>
+              <a:defRPr sz="1498"/>
             </a:lvl7pPr>
             <a:lvl8pPr>
-              <a:defRPr sz="1600"/>
+              <a:defRPr sz="1498"/>
             </a:lvl8pPr>
             <a:lvl9pPr>
-              <a:defRPr sz="1600"/>
+              <a:defRPr sz="1498"/>
             </a:lvl9pPr>
           </a:lstStyle>
           <a:p>
@@ -3275,8 +3280,8 @@
         </p:nvSpPr>
         <p:spPr>
           <a:xfrm>
-            <a:off x="2193925" y="1311275"/>
-            <a:ext cx="14439900" cy="5576888"/>
+            <a:off x="2139569" y="1205987"/>
+            <a:ext cx="14082141" cy="5129091"/>
           </a:xfrm>
         </p:spPr>
         <p:txBody>
@@ -3286,7 +3291,7 @@
               <a:defRPr kern="1200" smtId="4294967295"/>
             </a:defPPr>
             <a:lvl1pPr algn="l">
-              <a:defRPr sz="2000" b="1"/>
+              <a:defRPr sz="1871" b="1"/>
             </a:lvl1pPr>
           </a:lstStyle>
           <a:p>
@@ -3309,8 +3314,8 @@
         </p:nvSpPr>
         <p:spPr>
           <a:xfrm>
-            <a:off x="17160875" y="1311275"/>
-            <a:ext cx="24536400" cy="28093988"/>
+            <a:off x="16735702" y="1205986"/>
+            <a:ext cx="23928493" cy="25838178"/>
           </a:xfrm>
         </p:spPr>
         <p:txBody>
@@ -3320,31 +3325,31 @@
               <a:defRPr kern="1200" smtId="4294967295"/>
             </a:defPPr>
             <a:lvl1pPr>
-              <a:defRPr sz="3200"/>
+              <a:defRPr sz="2995"/>
             </a:lvl1pPr>
             <a:lvl2pPr>
-              <a:defRPr sz="2800"/>
+              <a:defRPr sz="2620"/>
             </a:lvl2pPr>
             <a:lvl3pPr>
-              <a:defRPr sz="2400"/>
+              <a:defRPr sz="2246"/>
             </a:lvl3pPr>
             <a:lvl4pPr>
-              <a:defRPr sz="2000"/>
+              <a:defRPr sz="1871"/>
             </a:lvl4pPr>
             <a:lvl5pPr>
-              <a:defRPr sz="2000"/>
+              <a:defRPr sz="1871"/>
             </a:lvl5pPr>
             <a:lvl6pPr>
-              <a:defRPr sz="2000"/>
+              <a:defRPr sz="1871"/>
             </a:lvl6pPr>
             <a:lvl7pPr>
-              <a:defRPr sz="2000"/>
+              <a:defRPr sz="1871"/>
             </a:lvl7pPr>
             <a:lvl8pPr>
-              <a:defRPr sz="2000"/>
+              <a:defRPr sz="1871"/>
             </a:lvl8pPr>
             <a:lvl9pPr>
-              <a:defRPr sz="2000"/>
+              <a:defRPr sz="1871"/>
             </a:lvl9pPr>
           </a:lstStyle>
           <a:p>
@@ -3396,8 +3401,8 @@
         </p:nvSpPr>
         <p:spPr>
           <a:xfrm>
-            <a:off x="2193925" y="6888163"/>
-            <a:ext cx="14439900" cy="22517100"/>
+            <a:off x="2139569" y="6335078"/>
+            <a:ext cx="14082141" cy="20709087"/>
           </a:xfrm>
         </p:spPr>
         <p:txBody>
@@ -3408,39 +3413,39 @@
             </a:defPPr>
             <a:lvl1pPr marL="0" indent="0">
               <a:buNone/>
-              <a:defRPr sz="1400"/>
+              <a:defRPr sz="1311"/>
             </a:lvl1pPr>
-            <a:lvl2pPr marL="457200" indent="0">
+            <a:lvl2pPr marL="427888" indent="0">
               <a:buNone/>
-              <a:defRPr sz="1200"/>
+              <a:defRPr sz="1123"/>
             </a:lvl2pPr>
-            <a:lvl3pPr marL="914400" indent="0">
+            <a:lvl3pPr marL="855775" indent="0">
               <a:buNone/>
-              <a:defRPr sz="1000"/>
+              <a:defRPr sz="936"/>
             </a:lvl3pPr>
-            <a:lvl4pPr marL="1371600" indent="0">
+            <a:lvl4pPr marL="1283663" indent="0">
               <a:buNone/>
-              <a:defRPr sz="900"/>
+              <a:defRPr sz="843"/>
             </a:lvl4pPr>
-            <a:lvl5pPr marL="1828800" indent="0">
+            <a:lvl5pPr marL="1711549" indent="0">
               <a:buNone/>
-              <a:defRPr sz="900"/>
+              <a:defRPr sz="843"/>
             </a:lvl5pPr>
-            <a:lvl6pPr marL="2286000" indent="0">
+            <a:lvl6pPr marL="2139437" indent="0">
               <a:buNone/>
-              <a:defRPr sz="900"/>
+              <a:defRPr sz="843"/>
             </a:lvl6pPr>
-            <a:lvl7pPr marL="2743200" indent="0">
+            <a:lvl7pPr marL="2567324" indent="0">
               <a:buNone/>
-              <a:defRPr sz="900"/>
+              <a:defRPr sz="843"/>
             </a:lvl7pPr>
-            <a:lvl8pPr marL="3200400" indent="0">
+            <a:lvl8pPr marL="2995212" indent="0">
               <a:buNone/>
-              <a:defRPr sz="900"/>
+              <a:defRPr sz="843"/>
             </a:lvl8pPr>
-            <a:lvl9pPr marL="3657600" indent="0">
+            <a:lvl9pPr marL="3423100" indent="0">
               <a:buNone/>
-              <a:defRPr sz="900"/>
+              <a:defRPr sz="843"/>
             </a:lvl9pPr>
           </a:lstStyle>
           <a:p>
@@ -3589,8 +3594,8 @@
         </p:nvSpPr>
         <p:spPr>
           <a:xfrm>
-            <a:off x="8602663" y="23042562"/>
-            <a:ext cx="26335038" cy="2720975"/>
+            <a:off x="8389527" y="21192357"/>
+            <a:ext cx="25682568" cy="2502494"/>
           </a:xfrm>
         </p:spPr>
         <p:txBody>
@@ -3600,7 +3605,7 @@
               <a:defRPr kern="1200" smtId="4294967295"/>
             </a:defPPr>
             <a:lvl1pPr algn="l">
-              <a:defRPr sz="2000" b="1"/>
+              <a:defRPr sz="1871" b="1"/>
             </a:lvl1pPr>
           </a:lstStyle>
           <a:p>
@@ -3623,8 +3628,8 @@
         </p:nvSpPr>
         <p:spPr>
           <a:xfrm>
-            <a:off x="8602663" y="2941638"/>
-            <a:ext cx="26335038" cy="19750088"/>
+            <a:off x="8389527" y="2705439"/>
+            <a:ext cx="25682568" cy="18164252"/>
           </a:xfrm>
         </p:spPr>
         <p:txBody>
@@ -3635,39 +3640,39 @@
             </a:defPPr>
             <a:lvl1pPr marL="0" indent="0">
               <a:buNone/>
-              <a:defRPr sz="3200"/>
+              <a:defRPr sz="2995"/>
             </a:lvl1pPr>
-            <a:lvl2pPr marL="457200" indent="0">
+            <a:lvl2pPr marL="427888" indent="0">
               <a:buNone/>
-              <a:defRPr sz="2800"/>
+              <a:defRPr sz="2620"/>
             </a:lvl2pPr>
-            <a:lvl3pPr marL="914400" indent="0">
+            <a:lvl3pPr marL="855775" indent="0">
               <a:buNone/>
-              <a:defRPr sz="2400"/>
+              <a:defRPr sz="2246"/>
             </a:lvl3pPr>
-            <a:lvl4pPr marL="1371600" indent="0">
+            <a:lvl4pPr marL="1283663" indent="0">
               <a:buNone/>
-              <a:defRPr sz="2000"/>
+              <a:defRPr sz="1871"/>
             </a:lvl4pPr>
-            <a:lvl5pPr marL="1828800" indent="0">
+            <a:lvl5pPr marL="1711549" indent="0">
               <a:buNone/>
-              <a:defRPr sz="2000"/>
+              <a:defRPr sz="1871"/>
             </a:lvl5pPr>
-            <a:lvl6pPr marL="2286000" indent="0">
+            <a:lvl6pPr marL="2139437" indent="0">
               <a:buNone/>
-              <a:defRPr sz="2000"/>
+              <a:defRPr sz="1871"/>
             </a:lvl6pPr>
-            <a:lvl7pPr marL="2743200" indent="0">
+            <a:lvl7pPr marL="2567324" indent="0">
               <a:buNone/>
-              <a:defRPr sz="2000"/>
+              <a:defRPr sz="1871"/>
             </a:lvl7pPr>
-            <a:lvl8pPr marL="3200400" indent="0">
+            <a:lvl8pPr marL="2995212" indent="0">
               <a:buNone/>
-              <a:defRPr sz="2000"/>
+              <a:defRPr sz="1871"/>
             </a:lvl8pPr>
-            <a:lvl9pPr marL="3657600" indent="0">
+            <a:lvl9pPr marL="3423100" indent="0">
               <a:buNone/>
-              <a:defRPr sz="2000"/>
+              <a:defRPr sz="1871"/>
             </a:lvl9pPr>
           </a:lstStyle>
           <a:p>
@@ -3688,8 +3693,8 @@
         </p:nvSpPr>
         <p:spPr>
           <a:xfrm>
-            <a:off x="8602663" y="25763538"/>
-            <a:ext cx="26335038" cy="3862387"/>
+            <a:off x="8389527" y="23694852"/>
+            <a:ext cx="25682568" cy="3552256"/>
           </a:xfrm>
         </p:spPr>
         <p:txBody>
@@ -3700,39 +3705,39 @@
             </a:defPPr>
             <a:lvl1pPr marL="0" indent="0">
               <a:buNone/>
-              <a:defRPr sz="1400"/>
+              <a:defRPr sz="1311"/>
             </a:lvl1pPr>
-            <a:lvl2pPr marL="457200" indent="0">
+            <a:lvl2pPr marL="427888" indent="0">
               <a:buNone/>
-              <a:defRPr sz="1200"/>
+              <a:defRPr sz="1123"/>
             </a:lvl2pPr>
-            <a:lvl3pPr marL="914400" indent="0">
+            <a:lvl3pPr marL="855775" indent="0">
               <a:buNone/>
-              <a:defRPr sz="1000"/>
+              <a:defRPr sz="936"/>
             </a:lvl3pPr>
-            <a:lvl4pPr marL="1371600" indent="0">
+            <a:lvl4pPr marL="1283663" indent="0">
               <a:buNone/>
-              <a:defRPr sz="900"/>
+              <a:defRPr sz="843"/>
             </a:lvl4pPr>
-            <a:lvl5pPr marL="1828800" indent="0">
+            <a:lvl5pPr marL="1711549" indent="0">
               <a:buNone/>
-              <a:defRPr sz="900"/>
+              <a:defRPr sz="843"/>
             </a:lvl5pPr>
-            <a:lvl6pPr marL="2286000" indent="0">
+            <a:lvl6pPr marL="2139437" indent="0">
               <a:buNone/>
-              <a:defRPr sz="900"/>
+              <a:defRPr sz="843"/>
             </a:lvl6pPr>
-            <a:lvl7pPr marL="2743200" indent="0">
+            <a:lvl7pPr marL="2567324" indent="0">
               <a:buNone/>
-              <a:defRPr sz="900"/>
+              <a:defRPr sz="843"/>
             </a:lvl7pPr>
-            <a:lvl8pPr marL="3200400" indent="0">
+            <a:lvl8pPr marL="2995212" indent="0">
               <a:buNone/>
-              <a:defRPr sz="900"/>
+              <a:defRPr sz="843"/>
             </a:lvl8pPr>
-            <a:lvl9pPr marL="3657600" indent="0">
+            <a:lvl9pPr marL="3423100" indent="0">
               <a:buNone/>
-              <a:defRPr sz="900"/>
+              <a:defRPr sz="843"/>
             </a:lvl9pPr>
           </a:lstStyle>
           <a:p>
@@ -3889,8 +3894,8 @@
         </p:nvSpPr>
         <p:spPr bwMode="auto">
           <a:xfrm>
-            <a:off x="2193925" y="1317625"/>
-            <a:ext cx="39503350" cy="5486400"/>
+            <a:off x="2139570" y="1211827"/>
+            <a:ext cx="38524625" cy="5045869"/>
           </a:xfrm>
           <a:prstGeom prst="rect">
             <a:avLst/>
@@ -3951,8 +3956,8 @@
         </p:nvSpPr>
         <p:spPr bwMode="auto">
           <a:xfrm>
-            <a:off x="2193925" y="7680325"/>
-            <a:ext cx="39503350" cy="21726525"/>
+            <a:off x="2139570" y="7063634"/>
+            <a:ext cx="38524625" cy="19981991"/>
           </a:xfrm>
           <a:prstGeom prst="rect">
             <a:avLst/>
@@ -4041,8 +4046,8 @@
         </p:nvSpPr>
         <p:spPr bwMode="auto">
           <a:xfrm>
-            <a:off x="2193925" y="29978350"/>
-            <a:ext cx="10242550" cy="2286000"/>
+            <a:off x="2139570" y="27571236"/>
+            <a:ext cx="9988783" cy="2102445"/>
           </a:xfrm>
           <a:prstGeom prst="rect">
             <a:avLst/>
@@ -4063,7 +4068,7 @@
               <a:defRPr kern="1200" smtId="4294967295"/>
             </a:defPPr>
             <a:lvl1pPr>
-              <a:defRPr sz="7100" smtClean="0"/>
+              <a:defRPr sz="6645" smtClean="0"/>
             </a:lvl1pPr>
           </a:lstStyle>
           <a:p>
@@ -4086,8 +4091,8 @@
         </p:nvSpPr>
         <p:spPr bwMode="auto">
           <a:xfrm>
-            <a:off x="14995525" y="29978350"/>
-            <a:ext cx="13900150" cy="2286000"/>
+            <a:off x="14624001" y="27571236"/>
+            <a:ext cx="13555763" cy="2102445"/>
           </a:xfrm>
           <a:prstGeom prst="rect">
             <a:avLst/>
@@ -4108,7 +4113,7 @@
               <a:defRPr kern="1200" smtId="4294967295"/>
             </a:defPPr>
             <a:lvl1pPr algn="ctr">
-              <a:defRPr sz="7100" smtClean="0"/>
+              <a:defRPr sz="6645" smtClean="0"/>
             </a:lvl1pPr>
           </a:lstStyle>
           <a:p>
@@ -4131,8 +4136,8 @@
         </p:nvSpPr>
         <p:spPr bwMode="auto">
           <a:xfrm>
-            <a:off x="31454725" y="29978350"/>
-            <a:ext cx="10242550" cy="2286000"/>
+            <a:off x="30675412" y="27571236"/>
+            <a:ext cx="9988783" cy="2102445"/>
           </a:xfrm>
           <a:prstGeom prst="rect">
             <a:avLst/>
@@ -4153,7 +4158,7 @@
               <a:defRPr kern="1200" smtId="4294967295"/>
             </a:defPPr>
             <a:lvl1pPr algn="r">
-              <a:defRPr sz="7100" smtClean="0"/>
+              <a:defRPr sz="6645" smtClean="0"/>
             </a:lvl1pPr>
           </a:lstStyle>
           <a:p>
@@ -4194,14 +4199,14 @@
       <a:defPPr>
         <a:defRPr kern="1200" smtId="4294967295"/>
       </a:defPPr>
-      <a:lvl1pPr algn="ctr" defTabSz="4703763" rtl="0" eaLnBrk="0" fontAlgn="base" hangingPunct="0">
+      <a:lvl1pPr algn="ctr" defTabSz="4402189" rtl="0" eaLnBrk="0" fontAlgn="base" hangingPunct="0">
         <a:spcBef>
           <a:spcPct val="0"/>
         </a:spcBef>
         <a:spcAft>
           <a:spcPct val="0"/>
         </a:spcAft>
-        <a:defRPr sz="22700">
+        <a:defRPr sz="21244">
           <a:solidFill>
             <a:schemeClr val="tx2"/>
           </a:solidFill>
@@ -4210,112 +4215,112 @@
           <a:cs typeface="+mj-cs"/>
         </a:defRPr>
       </a:lvl1pPr>
-      <a:lvl2pPr algn="ctr" defTabSz="4703763" rtl="0" eaLnBrk="0" fontAlgn="base" hangingPunct="0">
+      <a:lvl2pPr algn="ctr" defTabSz="4402189" rtl="0" eaLnBrk="0" fontAlgn="base" hangingPunct="0">
         <a:spcBef>
           <a:spcPct val="0"/>
         </a:spcBef>
         <a:spcAft>
           <a:spcPct val="0"/>
         </a:spcAft>
-        <a:defRPr sz="22700">
+        <a:defRPr sz="21244">
           <a:solidFill>
             <a:schemeClr val="tx2"/>
           </a:solidFill>
           <a:latin typeface="Arial"/>
         </a:defRPr>
       </a:lvl2pPr>
-      <a:lvl3pPr algn="ctr" defTabSz="4703763" rtl="0" eaLnBrk="0" fontAlgn="base" hangingPunct="0">
+      <a:lvl3pPr algn="ctr" defTabSz="4402189" rtl="0" eaLnBrk="0" fontAlgn="base" hangingPunct="0">
         <a:spcBef>
           <a:spcPct val="0"/>
         </a:spcBef>
         <a:spcAft>
           <a:spcPct val="0"/>
         </a:spcAft>
-        <a:defRPr sz="22700">
+        <a:defRPr sz="21244">
           <a:solidFill>
             <a:schemeClr val="tx2"/>
           </a:solidFill>
           <a:latin typeface="Arial"/>
         </a:defRPr>
       </a:lvl3pPr>
-      <a:lvl4pPr algn="ctr" defTabSz="4703763" rtl="0" eaLnBrk="0" fontAlgn="base" hangingPunct="0">
+      <a:lvl4pPr algn="ctr" defTabSz="4402189" rtl="0" eaLnBrk="0" fontAlgn="base" hangingPunct="0">
         <a:spcBef>
           <a:spcPct val="0"/>
         </a:spcBef>
         <a:spcAft>
           <a:spcPct val="0"/>
         </a:spcAft>
-        <a:defRPr sz="22700">
+        <a:defRPr sz="21244">
           <a:solidFill>
             <a:schemeClr val="tx2"/>
           </a:solidFill>
           <a:latin typeface="Arial"/>
         </a:defRPr>
       </a:lvl4pPr>
-      <a:lvl5pPr algn="ctr" defTabSz="4703763" rtl="0" eaLnBrk="0" fontAlgn="base" hangingPunct="0">
+      <a:lvl5pPr algn="ctr" defTabSz="4402189" rtl="0" eaLnBrk="0" fontAlgn="base" hangingPunct="0">
         <a:spcBef>
           <a:spcPct val="0"/>
         </a:spcBef>
         <a:spcAft>
           <a:spcPct val="0"/>
         </a:spcAft>
-        <a:defRPr sz="22700">
+        <a:defRPr sz="21244">
           <a:solidFill>
             <a:schemeClr val="tx2"/>
           </a:solidFill>
           <a:latin typeface="Arial"/>
         </a:defRPr>
       </a:lvl5pPr>
-      <a:lvl6pPr marL="457200" algn="ctr" defTabSz="4703763" rtl="0" fontAlgn="base">
+      <a:lvl6pPr marL="427888" algn="ctr" defTabSz="4402189" rtl="0" fontAlgn="base">
         <a:spcBef>
           <a:spcPct val="0"/>
         </a:spcBef>
         <a:spcAft>
           <a:spcPct val="0"/>
         </a:spcAft>
-        <a:defRPr sz="22700">
+        <a:defRPr sz="21244">
           <a:solidFill>
             <a:schemeClr val="tx2"/>
           </a:solidFill>
           <a:latin typeface="Arial"/>
         </a:defRPr>
       </a:lvl6pPr>
-      <a:lvl7pPr marL="914400" algn="ctr" defTabSz="4703763" rtl="0" fontAlgn="base">
+      <a:lvl7pPr marL="855775" algn="ctr" defTabSz="4402189" rtl="0" fontAlgn="base">
         <a:spcBef>
           <a:spcPct val="0"/>
         </a:spcBef>
         <a:spcAft>
           <a:spcPct val="0"/>
         </a:spcAft>
-        <a:defRPr sz="22700">
+        <a:defRPr sz="21244">
           <a:solidFill>
             <a:schemeClr val="tx2"/>
           </a:solidFill>
           <a:latin typeface="Arial"/>
         </a:defRPr>
       </a:lvl7pPr>
-      <a:lvl8pPr marL="1371600" algn="ctr" defTabSz="4703763" rtl="0" fontAlgn="base">
+      <a:lvl8pPr marL="1283663" algn="ctr" defTabSz="4402189" rtl="0" fontAlgn="base">
         <a:spcBef>
           <a:spcPct val="0"/>
         </a:spcBef>
         <a:spcAft>
           <a:spcPct val="0"/>
         </a:spcAft>
-        <a:defRPr sz="22700">
+        <a:defRPr sz="21244">
           <a:solidFill>
             <a:schemeClr val="tx2"/>
           </a:solidFill>
           <a:latin typeface="Arial"/>
         </a:defRPr>
       </a:lvl8pPr>
-      <a:lvl9pPr marL="1828800" algn="ctr" defTabSz="4703763" rtl="0" fontAlgn="base">
+      <a:lvl9pPr marL="1711549" algn="ctr" defTabSz="4402189" rtl="0" fontAlgn="base">
         <a:spcBef>
           <a:spcPct val="0"/>
         </a:spcBef>
         <a:spcAft>
           <a:spcPct val="0"/>
         </a:spcAft>
-        <a:defRPr sz="22700">
+        <a:defRPr sz="21244">
           <a:solidFill>
             <a:schemeClr val="tx2"/>
           </a:solidFill>
@@ -4327,7 +4332,7 @@
       <a:defPPr>
         <a:defRPr kern="1200" smtId="4294967295"/>
       </a:defPPr>
-      <a:lvl1pPr marL="1762125" indent="-1762125" algn="l" defTabSz="4703763" rtl="0" eaLnBrk="0" fontAlgn="base" hangingPunct="0">
+      <a:lvl1pPr marL="1649149" indent="-1649149" algn="l" defTabSz="4402189" rtl="0" eaLnBrk="0" fontAlgn="base" hangingPunct="0">
         <a:spcBef>
           <a:spcPct val="20000"/>
         </a:spcBef>
@@ -4335,7 +4340,7 @@
           <a:spcPct val="0"/>
         </a:spcAft>
         <a:buChar char="•"/>
-        <a:defRPr sz="16500">
+        <a:defRPr sz="15442">
           <a:solidFill>
             <a:schemeClr val="tx1"/>
           </a:solidFill>
@@ -4344,7 +4349,7 @@
           <a:cs typeface="+mn-cs"/>
         </a:defRPr>
       </a:lvl1pPr>
-      <a:lvl2pPr marL="3822700" indent="-1471613" algn="l" defTabSz="4703763" rtl="0" eaLnBrk="0" fontAlgn="base" hangingPunct="0">
+      <a:lvl2pPr marL="3577614" indent="-1377263" algn="l" defTabSz="4402189" rtl="0" eaLnBrk="0" fontAlgn="base" hangingPunct="0">
         <a:spcBef>
           <a:spcPct val="20000"/>
         </a:spcBef>
@@ -4352,14 +4357,14 @@
           <a:spcPct val="0"/>
         </a:spcAft>
         <a:buChar char="–"/>
-        <a:defRPr sz="14400">
+        <a:defRPr sz="13477">
           <a:solidFill>
             <a:schemeClr val="tx1"/>
           </a:solidFill>
           <a:latin typeface="+mn-lt"/>
         </a:defRPr>
       </a:lvl2pPr>
-      <a:lvl3pPr marL="5875338" indent="-1171575" algn="l" defTabSz="4703763" rtl="0" eaLnBrk="0" fontAlgn="base" hangingPunct="0">
+      <a:lvl3pPr marL="5498650" indent="-1096462" algn="l" defTabSz="4402189" rtl="0" eaLnBrk="0" fontAlgn="base" hangingPunct="0">
         <a:spcBef>
           <a:spcPct val="20000"/>
         </a:spcBef>
@@ -4367,14 +4372,14 @@
           <a:spcPct val="0"/>
         </a:spcAft>
         <a:buChar char="•"/>
-        <a:defRPr sz="12400">
+        <a:defRPr sz="11605">
           <a:solidFill>
             <a:schemeClr val="tx1"/>
           </a:solidFill>
           <a:latin typeface="+mn-lt"/>
         </a:defRPr>
       </a:lvl3pPr>
-      <a:lvl4pPr marL="8228013" indent="-1173163" algn="l" defTabSz="4703763" rtl="0" eaLnBrk="0" fontAlgn="base" hangingPunct="0">
+      <a:lvl4pPr marL="7700489" indent="-1097948" algn="l" defTabSz="4402189" rtl="0" eaLnBrk="0" fontAlgn="base" hangingPunct="0">
         <a:spcBef>
           <a:spcPct val="20000"/>
         </a:spcBef>
@@ -4382,14 +4387,14 @@
           <a:spcPct val="0"/>
         </a:spcAft>
         <a:buChar char="–"/>
-        <a:defRPr sz="10300">
+        <a:defRPr sz="9640">
           <a:solidFill>
             <a:schemeClr val="tx1"/>
           </a:solidFill>
           <a:latin typeface="+mn-lt"/>
         </a:defRPr>
       </a:lvl4pPr>
-      <a:lvl5pPr marL="10582275" indent="-1176338" algn="l" defTabSz="4703763" rtl="0" eaLnBrk="0" fontAlgn="base" hangingPunct="0">
+      <a:lvl5pPr marL="9903810" indent="-1100919" algn="l" defTabSz="4402189" rtl="0" eaLnBrk="0" fontAlgn="base" hangingPunct="0">
         <a:spcBef>
           <a:spcPct val="20000"/>
         </a:spcBef>
@@ -4397,14 +4402,14 @@
           <a:spcPct val="0"/>
         </a:spcAft>
         <a:buChar char="»"/>
-        <a:defRPr sz="10300">
+        <a:defRPr sz="9640">
           <a:solidFill>
             <a:schemeClr val="tx1"/>
           </a:solidFill>
           <a:latin typeface="+mn-lt"/>
         </a:defRPr>
       </a:lvl5pPr>
-      <a:lvl6pPr marL="11039475" indent="-1176338" algn="l" defTabSz="4703763" rtl="0" fontAlgn="base">
+      <a:lvl6pPr marL="10331698" indent="-1100919" algn="l" defTabSz="4402189" rtl="0" fontAlgn="base">
         <a:spcBef>
           <a:spcPct val="20000"/>
         </a:spcBef>
@@ -4412,14 +4417,14 @@
           <a:spcPct val="0"/>
         </a:spcAft>
         <a:buChar char="»"/>
-        <a:defRPr sz="10300">
+        <a:defRPr sz="9640">
           <a:solidFill>
             <a:schemeClr val="tx1"/>
           </a:solidFill>
           <a:latin typeface="+mn-lt"/>
         </a:defRPr>
       </a:lvl6pPr>
-      <a:lvl7pPr marL="11496675" indent="-1176338" algn="l" defTabSz="4703763" rtl="0" fontAlgn="base">
+      <a:lvl7pPr marL="10759585" indent="-1100919" algn="l" defTabSz="4402189" rtl="0" fontAlgn="base">
         <a:spcBef>
           <a:spcPct val="20000"/>
         </a:spcBef>
@@ -4427,14 +4432,14 @@
           <a:spcPct val="0"/>
         </a:spcAft>
         <a:buChar char="»"/>
-        <a:defRPr sz="10300">
+        <a:defRPr sz="9640">
           <a:solidFill>
             <a:schemeClr val="tx1"/>
           </a:solidFill>
           <a:latin typeface="+mn-lt"/>
         </a:defRPr>
       </a:lvl7pPr>
-      <a:lvl8pPr marL="11953875" indent="-1176338" algn="l" defTabSz="4703763" rtl="0" fontAlgn="base">
+      <a:lvl8pPr marL="11187473" indent="-1100919" algn="l" defTabSz="4402189" rtl="0" fontAlgn="base">
         <a:spcBef>
           <a:spcPct val="20000"/>
         </a:spcBef>
@@ -4442,14 +4447,14 @@
           <a:spcPct val="0"/>
         </a:spcAft>
         <a:buChar char="»"/>
-        <a:defRPr sz="10300">
+        <a:defRPr sz="9640">
           <a:solidFill>
             <a:schemeClr val="tx1"/>
           </a:solidFill>
           <a:latin typeface="+mn-lt"/>
         </a:defRPr>
       </a:lvl8pPr>
-      <a:lvl9pPr marL="12411075" indent="-1176338" algn="l" defTabSz="4703763" rtl="0" fontAlgn="base">
+      <a:lvl9pPr marL="11615361" indent="-1100919" algn="l" defTabSz="4402189" rtl="0" fontAlgn="base">
         <a:spcBef>
           <a:spcPct val="20000"/>
         </a:spcBef>
@@ -4457,7 +4462,7 @@
           <a:spcPct val="0"/>
         </a:spcAft>
         <a:buChar char="»"/>
-        <a:defRPr sz="10300">
+        <a:defRPr sz="9640">
           <a:solidFill>
             <a:schemeClr val="tx1"/>
           </a:solidFill>
@@ -4469,8 +4474,8 @@
       <a:defPPr>
         <a:defRPr lang="en-US"/>
       </a:defPPr>
-      <a:lvl1pPr marL="0" algn="l" defTabSz="914400" rtl="0" eaLnBrk="1" latinLnBrk="0" hangingPunct="1">
-        <a:defRPr sz="1800" kern="1200">
+      <a:lvl1pPr marL="0" algn="l" defTabSz="855775" rtl="0" eaLnBrk="1" latinLnBrk="0" hangingPunct="1">
+        <a:defRPr sz="1684" kern="1200">
           <a:solidFill>
             <a:schemeClr val="tx1"/>
           </a:solidFill>
@@ -4479,8 +4484,8 @@
           <a:cs typeface="+mn-cs"/>
         </a:defRPr>
       </a:lvl1pPr>
-      <a:lvl2pPr marL="457200" algn="l" defTabSz="914400" rtl="0" eaLnBrk="1" latinLnBrk="0" hangingPunct="1">
-        <a:defRPr sz="1800" kern="1200">
+      <a:lvl2pPr marL="427888" algn="l" defTabSz="855775" rtl="0" eaLnBrk="1" latinLnBrk="0" hangingPunct="1">
+        <a:defRPr sz="1684" kern="1200">
           <a:solidFill>
             <a:schemeClr val="tx1"/>
           </a:solidFill>
@@ -4489,8 +4494,8 @@
           <a:cs typeface="+mn-cs"/>
         </a:defRPr>
       </a:lvl2pPr>
-      <a:lvl3pPr marL="914400" algn="l" defTabSz="914400" rtl="0" eaLnBrk="1" latinLnBrk="0" hangingPunct="1">
-        <a:defRPr sz="1800" kern="1200">
+      <a:lvl3pPr marL="855775" algn="l" defTabSz="855775" rtl="0" eaLnBrk="1" latinLnBrk="0" hangingPunct="1">
+        <a:defRPr sz="1684" kern="1200">
           <a:solidFill>
             <a:schemeClr val="tx1"/>
           </a:solidFill>
@@ -4499,8 +4504,8 @@
           <a:cs typeface="+mn-cs"/>
         </a:defRPr>
       </a:lvl3pPr>
-      <a:lvl4pPr marL="1371600" algn="l" defTabSz="914400" rtl="0" eaLnBrk="1" latinLnBrk="0" hangingPunct="1">
-        <a:defRPr sz="1800" kern="1200">
+      <a:lvl4pPr marL="1283663" algn="l" defTabSz="855775" rtl="0" eaLnBrk="1" latinLnBrk="0" hangingPunct="1">
+        <a:defRPr sz="1684" kern="1200">
           <a:solidFill>
             <a:schemeClr val="tx1"/>
           </a:solidFill>
@@ -4509,8 +4514,8 @@
           <a:cs typeface="+mn-cs"/>
         </a:defRPr>
       </a:lvl4pPr>
-      <a:lvl5pPr marL="1828800" algn="l" defTabSz="914400" rtl="0" eaLnBrk="1" latinLnBrk="0" hangingPunct="1">
-        <a:defRPr sz="1800" kern="1200">
+      <a:lvl5pPr marL="1711549" algn="l" defTabSz="855775" rtl="0" eaLnBrk="1" latinLnBrk="0" hangingPunct="1">
+        <a:defRPr sz="1684" kern="1200">
           <a:solidFill>
             <a:schemeClr val="tx1"/>
           </a:solidFill>
@@ -4519,8 +4524,8 @@
           <a:cs typeface="+mn-cs"/>
         </a:defRPr>
       </a:lvl5pPr>
-      <a:lvl6pPr marL="2286000" algn="l" defTabSz="914400" rtl="0" eaLnBrk="1" latinLnBrk="0" hangingPunct="1">
-        <a:defRPr sz="1800" kern="1200">
+      <a:lvl6pPr marL="2139437" algn="l" defTabSz="855775" rtl="0" eaLnBrk="1" latinLnBrk="0" hangingPunct="1">
+        <a:defRPr sz="1684" kern="1200">
           <a:solidFill>
             <a:schemeClr val="tx1"/>
           </a:solidFill>
@@ -4529,8 +4534,8 @@
           <a:cs typeface="+mn-cs"/>
         </a:defRPr>
       </a:lvl6pPr>
-      <a:lvl7pPr marL="2743200" algn="l" defTabSz="914400" rtl="0" eaLnBrk="1" latinLnBrk="0" hangingPunct="1">
-        <a:defRPr sz="1800" kern="1200">
+      <a:lvl7pPr marL="2567324" algn="l" defTabSz="855775" rtl="0" eaLnBrk="1" latinLnBrk="0" hangingPunct="1">
+        <a:defRPr sz="1684" kern="1200">
           <a:solidFill>
             <a:schemeClr val="tx1"/>
           </a:solidFill>
@@ -4539,8 +4544,8 @@
           <a:cs typeface="+mn-cs"/>
         </a:defRPr>
       </a:lvl7pPr>
-      <a:lvl8pPr marL="3200400" algn="l" defTabSz="914400" rtl="0" eaLnBrk="1" latinLnBrk="0" hangingPunct="1">
-        <a:defRPr sz="1800" kern="1200">
+      <a:lvl8pPr marL="2995212" algn="l" defTabSz="855775" rtl="0" eaLnBrk="1" latinLnBrk="0" hangingPunct="1">
+        <a:defRPr sz="1684" kern="1200">
           <a:solidFill>
             <a:schemeClr val="tx1"/>
           </a:solidFill>
@@ -4549,8 +4554,8 @@
           <a:cs typeface="+mn-cs"/>
         </a:defRPr>
       </a:lvl8pPr>
-      <a:lvl9pPr marL="3657600" algn="l" defTabSz="914400" rtl="0" eaLnBrk="1" latinLnBrk="0" hangingPunct="1">
-        <a:defRPr sz="1800" kern="1200">
+      <a:lvl9pPr marL="3423100" algn="l" defTabSz="855775" rtl="0" eaLnBrk="1" latinLnBrk="0" hangingPunct="1">
+        <a:defRPr sz="1684" kern="1200">
           <a:solidFill>
             <a:schemeClr val="tx1"/>
           </a:solidFill>
@@ -4599,8 +4604,8 @@
         </p:nvSpPr>
         <p:spPr bwMode="auto">
           <a:xfrm>
-            <a:off x="22327952" y="804333"/>
-            <a:ext cx="20877448" cy="13570599"/>
+            <a:off x="21759730" y="485983"/>
+            <a:ext cx="19539515" cy="12700926"/>
           </a:xfrm>
           <a:prstGeom prst="rect">
             <a:avLst/>
@@ -4614,7 +4619,7 @@
           </a:ln>
         </p:spPr>
         <p:txBody>
-          <a:bodyPr vert="horz" wrap="square" lIns="376203" tIns="188102" rIns="376203" bIns="188102" anchor="ctr" anchorCtr="0" compatLnSpc="1">
+          <a:bodyPr vert="horz" wrap="square" lIns="352094" tIns="176047" rIns="352094" bIns="176047" anchor="ctr" anchorCtr="0" compatLnSpc="1">
             <a:prstTxWarp prst="textNoShape">
               <a:avLst/>
             </a:prstTxWarp>
@@ -4754,7 +4759,7 @@
           </a:lstStyle>
           <a:p>
             <a:pPr eaLnBrk="1" hangingPunct="1"/>
-            <a:endParaRPr lang="en-US" sz="4800" i="1" dirty="0">
+            <a:endParaRPr lang="en-US" sz="4493" i="1" dirty="0">
               <a:solidFill>
                 <a:schemeClr val="accent5"/>
               </a:solidFill>
@@ -4779,15 +4784,15 @@
         </p:nvSpPr>
         <p:spPr>
           <a:xfrm>
-            <a:off x="761999" y="29521023"/>
-            <a:ext cx="34926159" cy="2746935"/>
+            <a:off x="1575833" y="27362363"/>
+            <a:ext cx="32687914" cy="2570897"/>
           </a:xfrm>
           <a:prstGeom prst="rect">
             <a:avLst/>
           </a:prstGeom>
         </p:spPr>
         <p:txBody>
-          <a:bodyPr lIns="128016" tIns="64008" rIns="128016" bIns="64008"/>
+          <a:bodyPr lIns="119812" tIns="59906" rIns="119812" bIns="59906"/>
           <a:lstStyle>
             <a:defPPr>
               <a:defRPr lang="en-US"/>
@@ -4885,7 +4890,7 @@
           </a:lstStyle>
           <a:p>
             <a:r>
-              <a:rPr lang="en-US" sz="8500" b="1" dirty="0">
+              <a:rPr lang="en-US" sz="7955" b="1" dirty="0">
                 <a:solidFill>
                   <a:schemeClr val="bg1"/>
                 </a:solidFill>
@@ -4912,15 +4917,15 @@
         </p:nvSpPr>
         <p:spPr>
           <a:xfrm>
-            <a:off x="761999" y="30936759"/>
-            <a:ext cx="34926159" cy="2653034"/>
+            <a:off x="1575833" y="28687370"/>
+            <a:ext cx="32687914" cy="2524279"/>
           </a:xfrm>
           <a:prstGeom prst="rect">
             <a:avLst/>
           </a:prstGeom>
         </p:spPr>
         <p:txBody>
-          <a:bodyPr wrap="square" lIns="128016" tIns="64008" rIns="128016" bIns="64008">
+          <a:bodyPr wrap="square" lIns="119812" tIns="59906" rIns="119812" bIns="59906">
             <a:spAutoFit/>
           </a:bodyPr>
           <a:lstStyle>
@@ -5020,7 +5025,7 @@
           </a:lstStyle>
           <a:p>
             <a:r>
-              <a:rPr lang="en-US" sz="5400" dirty="0">
+              <a:rPr lang="en-US" sz="5053" dirty="0">
                 <a:solidFill>
                   <a:schemeClr val="bg1"/>
                 </a:solidFill>
@@ -5028,7 +5033,7 @@
               <a:t>Gitte Moos Knudsen, Robert Innis, Melanie Ganz-</a:t>
             </a:r>
             <a:r>
-              <a:rPr lang="en-US" sz="5400" dirty="0" err="1">
+              <a:rPr lang="en-US" sz="5053" dirty="0" err="1">
                 <a:solidFill>
                   <a:schemeClr val="bg1"/>
                 </a:solidFill>
@@ -5036,7 +5041,7 @@
               <a:t>Benjaminsen</a:t>
             </a:r>
             <a:r>
-              <a:rPr lang="en-US" sz="5400" dirty="0">
+              <a:rPr lang="en-US" sz="5053" dirty="0">
                 <a:solidFill>
                   <a:schemeClr val="bg1"/>
                 </a:solidFill>
@@ -5044,7 +5049,7 @@
               <a:t>, Adam Thomas, Cyril </a:t>
             </a:r>
             <a:r>
-              <a:rPr lang="en-US" sz="5400" dirty="0" err="1">
+              <a:rPr lang="en-US" sz="5053" dirty="0" err="1">
                 <a:solidFill>
                   <a:schemeClr val="bg1"/>
                 </a:solidFill>
@@ -5052,7 +5057,7 @@
               <a:t>Pernet</a:t>
             </a:r>
             <a:r>
-              <a:rPr lang="en-US" sz="5400" dirty="0">
+              <a:rPr lang="en-US" sz="5053" dirty="0">
                 <a:solidFill>
                   <a:schemeClr val="bg1"/>
                 </a:solidFill>
@@ -5060,7 +5065,7 @@
               <a:t>, Martin </a:t>
             </a:r>
             <a:r>
-              <a:rPr lang="en-US" sz="5400" dirty="0" err="1">
+              <a:rPr lang="en-US" sz="5053" dirty="0" err="1">
                 <a:solidFill>
                   <a:schemeClr val="bg1"/>
                 </a:solidFill>
@@ -5068,7 +5073,7 @@
               <a:t>Nørgaard</a:t>
             </a:r>
             <a:r>
-              <a:rPr lang="en-US" sz="5400" dirty="0">
+              <a:rPr lang="en-US" sz="5053" dirty="0">
                 <a:solidFill>
                   <a:schemeClr val="bg1"/>
                 </a:solidFill>
@@ -5078,7 +5083,7 @@
           </a:p>
           <a:p>
             <a:r>
-              <a:rPr lang="en-US" sz="5400" dirty="0">
+              <a:rPr lang="en-US" sz="5053" dirty="0">
                 <a:solidFill>
                   <a:schemeClr val="bg1"/>
                 </a:solidFill>
@@ -5086,7 +5091,7 @@
               <a:t>Douglas </a:t>
             </a:r>
             <a:r>
-              <a:rPr lang="en-US" sz="5400" dirty="0" err="1">
+              <a:rPr lang="en-US" sz="5053" dirty="0" err="1">
                 <a:solidFill>
                   <a:schemeClr val="bg1"/>
                 </a:solidFill>
@@ -5094,7 +5099,7 @@
               <a:t>Greeve</a:t>
             </a:r>
             <a:r>
-              <a:rPr lang="en-US" sz="5400" dirty="0">
+              <a:rPr lang="en-US" sz="5053" dirty="0">
                 <a:solidFill>
                   <a:schemeClr val="bg1"/>
                 </a:solidFill>
@@ -5102,7 +5107,7 @@
               <a:t>, Russel </a:t>
             </a:r>
             <a:r>
-              <a:rPr lang="en-US" sz="5400" dirty="0" err="1">
+              <a:rPr lang="en-US" sz="5053" dirty="0" err="1">
                 <a:solidFill>
                   <a:schemeClr val="bg1"/>
                 </a:solidFill>
@@ -5110,7 +5115,7 @@
               <a:t>Poldrak</a:t>
             </a:r>
             <a:r>
-              <a:rPr lang="en-US" sz="5400" dirty="0">
+              <a:rPr lang="en-US" sz="5053" dirty="0">
                 <a:solidFill>
                   <a:schemeClr val="bg1"/>
                 </a:solidFill>
@@ -5118,7 +5123,7 @@
               <a:t>, Paul </a:t>
             </a:r>
             <a:r>
-              <a:rPr lang="en-US" sz="5400" dirty="0" err="1">
+              <a:rPr lang="en-US" sz="5053" dirty="0" err="1">
                 <a:solidFill>
                   <a:schemeClr val="bg1"/>
                 </a:solidFill>
@@ -5126,7 +5131,7 @@
               <a:t>Wighton</a:t>
             </a:r>
             <a:r>
-              <a:rPr lang="en-US" sz="5400" dirty="0">
+              <a:rPr lang="en-US" sz="5053" dirty="0">
                 <a:solidFill>
                   <a:schemeClr val="bg1"/>
                 </a:solidFill>
@@ -5134,21 +5139,21 @@
               <a:t>, Anthony </a:t>
             </a:r>
             <a:r>
-              <a:rPr lang="en-US" sz="5400" dirty="0" err="1">
+              <a:rPr lang="en-US" sz="5053" dirty="0" err="1">
                 <a:solidFill>
                   <a:schemeClr val="bg1"/>
                 </a:solidFill>
               </a:rPr>
               <a:t>Galassi</a:t>
             </a:r>
-            <a:endParaRPr lang="en-US" sz="5400" dirty="0">
+            <a:endParaRPr lang="en-US" sz="5053" dirty="0">
               <a:solidFill>
                 <a:schemeClr val="bg1"/>
               </a:solidFill>
             </a:endParaRPr>
           </a:p>
           <a:p>
-            <a:endParaRPr lang="en-US" sz="5600" dirty="0">
+            <a:endParaRPr lang="en-US" sz="5241" dirty="0">
               <a:solidFill>
                 <a:schemeClr val="bg1"/>
               </a:solidFill>
@@ -5171,8 +5176,8 @@
         </p:nvSpPr>
         <p:spPr>
           <a:xfrm>
-            <a:off x="22327952" y="15087602"/>
-            <a:ext cx="20877448" cy="13548825"/>
+            <a:off x="21759730" y="13853908"/>
+            <a:ext cx="19539515" cy="12680547"/>
           </a:xfrm>
           <a:prstGeom prst="rect">
             <a:avLst/>
@@ -5392,7 +5397,7 @@
           </a:lstStyle>
           <a:p>
             <a:pPr algn="ctr"/>
-            <a:endParaRPr lang="en-US" sz="9600">
+            <a:endParaRPr lang="en-US" sz="8984">
               <a:effectLst/>
               <a:latin typeface="+mj-lt"/>
             </a:endParaRPr>
@@ -5415,8 +5420,8 @@
         </p:nvSpPr>
         <p:spPr bwMode="auto">
           <a:xfrm>
-            <a:off x="22332868" y="15087600"/>
-            <a:ext cx="20872532" cy="1126553"/>
+            <a:off x="21764331" y="13853905"/>
+            <a:ext cx="19534914" cy="1054358"/>
           </a:xfrm>
           <a:prstGeom prst="rect">
             <a:avLst/>
@@ -5430,7 +5435,7 @@
           </a:ln>
         </p:spPr>
         <p:txBody>
-          <a:bodyPr wrap="none" lIns="274320" tIns="73152" rIns="274320" bIns="68563" anchor="ctr" anchorCtr="0"/>
+          <a:bodyPr wrap="none" lIns="256740" tIns="68464" rIns="256740" bIns="64169" anchor="ctr" anchorCtr="0"/>
           <a:lstStyle>
             <a:defPPr>
               <a:defRPr lang="en-US"/>
@@ -5620,11 +5625,11 @@
             </a:lvl9pPr>
           </a:lstStyle>
           <a:p>
-            <a:pPr defTabSz="4702588">
+            <a:pPr defTabSz="4401089">
               <a:defRPr/>
             </a:pPr>
             <a:r>
-              <a:rPr lang="en-US" sz="4200" dirty="0">
+              <a:rPr lang="en-US" sz="3931" dirty="0">
                 <a:solidFill>
                   <a:schemeClr val="bg1"/>
                 </a:solidFill>
@@ -5650,8 +5655,8 @@
         </p:nvSpPr>
         <p:spPr>
           <a:xfrm>
-            <a:off x="762000" y="804333"/>
-            <a:ext cx="20796332" cy="27832093"/>
+            <a:off x="1575833" y="485983"/>
+            <a:ext cx="19463598" cy="26048471"/>
           </a:xfrm>
           <a:prstGeom prst="rect">
             <a:avLst/>
@@ -5871,7 +5876,7 @@
           </a:lstStyle>
           <a:p>
             <a:pPr algn="ctr"/>
-            <a:endParaRPr lang="en-US" sz="9600" dirty="0">
+            <a:endParaRPr lang="en-US" sz="8984" dirty="0">
               <a:effectLst/>
               <a:latin typeface="+mj-lt"/>
             </a:endParaRPr>
@@ -5894,8 +5899,8 @@
         </p:nvSpPr>
         <p:spPr bwMode="auto">
           <a:xfrm>
-            <a:off x="762000" y="804333"/>
-            <a:ext cx="20796332" cy="1126553"/>
+            <a:off x="1575833" y="485982"/>
+            <a:ext cx="19463598" cy="1054358"/>
           </a:xfrm>
           <a:prstGeom prst="rect">
             <a:avLst/>
@@ -5909,7 +5914,7 @@
           </a:ln>
         </p:spPr>
         <p:txBody>
-          <a:bodyPr wrap="none" lIns="274320" tIns="73152" rIns="274320" bIns="68563" anchor="ctr" anchorCtr="0"/>
+          <a:bodyPr wrap="none" lIns="256740" tIns="68464" rIns="256740" bIns="64169" anchor="ctr" anchorCtr="0"/>
           <a:lstStyle>
             <a:defPPr>
               <a:defRPr lang="en-US"/>
@@ -6099,11 +6104,11 @@
             </a:lvl9pPr>
           </a:lstStyle>
           <a:p>
-            <a:pPr defTabSz="4702588">
+            <a:pPr defTabSz="4401089">
               <a:defRPr/>
             </a:pPr>
             <a:r>
-              <a:rPr lang="en-US" sz="4200" dirty="0">
+              <a:rPr lang="en-US" sz="3931" dirty="0">
                 <a:solidFill>
                   <a:schemeClr val="bg1"/>
                 </a:solidFill>
@@ -6131,8 +6136,8 @@
         </p:nvSpPr>
         <p:spPr bwMode="auto">
           <a:xfrm>
-            <a:off x="1025566" y="2306405"/>
-            <a:ext cx="20269199" cy="1800493"/>
+            <a:off x="1822509" y="1891794"/>
+            <a:ext cx="18970246" cy="1712464"/>
           </a:xfrm>
           <a:prstGeom prst="rect">
             <a:avLst/>
@@ -6171,7 +6176,7 @@
           </a:extLst>
         </p:spPr>
         <p:txBody>
-          <a:bodyPr wrap="square" lIns="137160" tIns="68580" rIns="137160" bIns="68580">
+          <a:bodyPr wrap="square" lIns="128370" tIns="64185" rIns="128370" bIns="64185">
             <a:spAutoFit/>
           </a:bodyPr>
           <a:lstStyle>
@@ -6277,7 +6282,7 @@
           </a:lstStyle>
           <a:p>
             <a:r>
-              <a:rPr lang="en-US" sz="3600" dirty="0">
+              <a:rPr lang="en-US" sz="3369" dirty="0">
                 <a:latin typeface="Titillium Web" panose="00000500000000000000" pitchFamily="2" charset="0"/>
                 <a:ea typeface="Open Sans" panose="020B0606030504020204" pitchFamily="34" charset="0"/>
                 <a:cs typeface="Open Sans" panose="020B0606030504020204" pitchFamily="34" charset="0"/>
@@ -6286,7 +6291,7 @@
             </a:r>
           </a:p>
           <a:p>
-            <a:endParaRPr lang="en-US" sz="3600" dirty="0">
+            <a:endParaRPr lang="en-US" sz="3369" dirty="0">
               <a:latin typeface="Titillium Web" panose="00000500000000000000" pitchFamily="2" charset="0"/>
               <a:ea typeface="Open Sans" panose="020B0606030504020204" pitchFamily="34" charset="0"/>
               <a:cs typeface="Open Sans" panose="020B0606030504020204" pitchFamily="34" charset="0"/>
@@ -6310,15 +6315,15 @@
         </p:nvSpPr>
         <p:spPr>
           <a:xfrm>
-            <a:off x="23041117" y="1367609"/>
-            <a:ext cx="17954484" cy="8370485"/>
+            <a:off x="22427191" y="1013161"/>
+            <a:ext cx="16803870" cy="7834062"/>
           </a:xfrm>
           <a:prstGeom prst="rect">
             <a:avLst/>
           </a:prstGeom>
         </p:spPr>
         <p:txBody>
-          <a:bodyPr lIns="128016" tIns="64008" rIns="128016" bIns="64008"/>
+          <a:bodyPr lIns="119812" tIns="59906" rIns="119812" bIns="59906"/>
           <a:lstStyle>
             <a:defPPr>
               <a:defRPr lang="en-US"/>
@@ -6416,7 +6421,7 @@
           </a:lstStyle>
           <a:p>
             <a:r>
-              <a:rPr lang="en-US" sz="11000" dirty="0">
+              <a:rPr lang="en-US" sz="10295" dirty="0">
                 <a:solidFill>
                   <a:schemeClr val="bg1"/>
                 </a:solidFill>
@@ -6425,7 +6430,7 @@
               <a:t>OpenNeuroPET is developing infrastructure and tooling that </a:t>
             </a:r>
             <a:r>
-              <a:rPr lang="en-US" sz="11000">
+              <a:rPr lang="en-US" sz="10295">
                 <a:solidFill>
                   <a:schemeClr val="bg1"/>
                 </a:solidFill>
@@ -6434,7 +6439,7 @@
               <a:t>increases accessibility and reproducibility of </a:t>
             </a:r>
             <a:r>
-              <a:rPr lang="en-US" sz="11000" dirty="0">
+              <a:rPr lang="en-US" sz="10295" dirty="0">
                 <a:solidFill>
                   <a:schemeClr val="bg1"/>
                 </a:solidFill>
@@ -6476,8 +6481,8 @@
         </p:blipFill>
         <p:spPr>
           <a:xfrm>
-            <a:off x="36518317" y="18748529"/>
-            <a:ext cx="4953000" cy="4953000"/>
+            <a:off x="35040705" y="17280223"/>
+            <a:ext cx="4635587" cy="4635587"/>
           </a:xfrm>
           <a:prstGeom prst="rect">
             <a:avLst/>
@@ -6512,8 +6517,8 @@
         </p:blipFill>
         <p:spPr>
           <a:xfrm>
-            <a:off x="5894764" y="4401856"/>
-            <a:ext cx="3488451" cy="3804248"/>
+            <a:off x="6379665" y="3852958"/>
+            <a:ext cx="3264893" cy="3560452"/>
           </a:xfrm>
           <a:prstGeom prst="rect">
             <a:avLst/>
@@ -6548,8 +6553,8 @@
         </p:blipFill>
         <p:spPr>
           <a:xfrm>
-            <a:off x="9779595" y="4397095"/>
-            <a:ext cx="3277190" cy="5877570"/>
+            <a:off x="10015535" y="3848501"/>
+            <a:ext cx="3067172" cy="5500906"/>
           </a:xfrm>
           <a:prstGeom prst="rect">
             <a:avLst/>
@@ -6584,8 +6589,8 @@
         </p:blipFill>
         <p:spPr>
           <a:xfrm>
-            <a:off x="13413367" y="4401860"/>
-            <a:ext cx="7748586" cy="6415342"/>
+            <a:off x="13416437" y="3852962"/>
+            <a:ext cx="7252017" cy="6004214"/>
           </a:xfrm>
           <a:prstGeom prst="rect">
             <a:avLst/>
@@ -6610,8 +6615,8 @@
         </p:nvCxnSpPr>
         <p:spPr bwMode="auto">
           <a:xfrm rot="16200000" flipH="1">
-            <a:off x="14081657" y="7611198"/>
-            <a:ext cx="542537" cy="5869470"/>
+            <a:off x="14041900" y="6856629"/>
+            <a:ext cx="507769" cy="5493325"/>
           </a:xfrm>
           <a:prstGeom prst="bentConnector3">
             <a:avLst>
@@ -6658,8 +6663,8 @@
         </p:nvSpPr>
         <p:spPr>
           <a:xfrm>
-            <a:off x="1229647" y="4395827"/>
-            <a:ext cx="3866095" cy="6740307"/>
+            <a:off x="2013512" y="3847315"/>
+            <a:ext cx="3618336" cy="6313267"/>
           </a:xfrm>
           <a:prstGeom prst="rect">
             <a:avLst/>
@@ -6673,7 +6678,7 @@
           <a:lstStyle/>
           <a:p>
             <a:r>
-              <a:rPr lang="en-US" sz="2400" dirty="0"/>
+              <a:rPr lang="en-US" sz="2246" dirty="0"/>
               <a:t>One of the first steps to increasing the shareability of PET data was the inclusion of PET into the popular brain imaging data structure BIDS [1]  with the BIDS extension proposal 009 (BEP009 [2]). A standardized data format makes sharing different datasets simpler as part of the data dictionary is included in the file structure itself. Modalities follow a standard scheme and additional metadata is included in json or tab separated text files.  </a:t>
             </a:r>
           </a:p>
@@ -6697,8 +6702,8 @@
         </p:nvCxnSpPr>
         <p:spPr bwMode="auto">
           <a:xfrm rot="16200000" flipH="1">
-            <a:off x="11157776" y="4687318"/>
-            <a:ext cx="2611098" cy="9648670"/>
+            <a:off x="11305396" y="4120126"/>
+            <a:ext cx="2443766" cy="9030335"/>
           </a:xfrm>
           <a:prstGeom prst="bentConnector3">
             <a:avLst>
@@ -6745,8 +6750,8 @@
         </p:nvSpPr>
         <p:spPr>
           <a:xfrm>
-            <a:off x="5870278" y="8295680"/>
-            <a:ext cx="1673522" cy="2554545"/>
+            <a:off x="6356747" y="7497246"/>
+            <a:ext cx="1566274" cy="2439707"/>
           </a:xfrm>
           <a:prstGeom prst="rect">
             <a:avLst/>
@@ -6760,7 +6765,7 @@
           <a:lstStyle/>
           <a:p>
             <a:r>
-              <a:rPr lang="en-US" sz="1600" dirty="0"/>
+              <a:rPr lang="en-US" sz="1498" dirty="0"/>
               <a:t>Organizing these datasets into the standardized BIDS set on the right leads to easier classification for humans and machines alike.</a:t>
             </a:r>
           </a:p>
@@ -6794,8 +6799,8 @@
         </p:blipFill>
         <p:spPr>
           <a:xfrm>
-            <a:off x="5578971" y="11943481"/>
-            <a:ext cx="7588250" cy="4667832"/>
+            <a:off x="6084109" y="10911277"/>
+            <a:ext cx="7101956" cy="4368694"/>
           </a:xfrm>
           <a:prstGeom prst="rect">
             <a:avLst/>
@@ -6830,8 +6835,8 @@
         </p:blipFill>
         <p:spPr>
           <a:xfrm>
-            <a:off x="13573703" y="11943481"/>
-            <a:ext cx="7588250" cy="4667832"/>
+            <a:off x="13566498" y="10911277"/>
+            <a:ext cx="7101956" cy="4368694"/>
           </a:xfrm>
           <a:prstGeom prst="rect">
             <a:avLst/>
@@ -6852,8 +6857,8 @@
         </p:nvSpPr>
         <p:spPr>
           <a:xfrm>
-            <a:off x="1165334" y="11811000"/>
-            <a:ext cx="4007155" cy="4154984"/>
+            <a:off x="1953320" y="10787287"/>
+            <a:ext cx="3750356" cy="3962648"/>
           </a:xfrm>
           <a:prstGeom prst="rect">
             <a:avLst/>
@@ -6867,15 +6872,15 @@
           <a:lstStyle/>
           <a:p>
             <a:r>
-              <a:rPr lang="en-US" sz="2400" dirty="0"/>
+              <a:rPr lang="en-US" sz="2246" dirty="0"/>
               <a:t>Once a PET dataset is converted into BIDS it can be uploaded, browsed, and downloaded via a browser (or the command line) at </a:t>
             </a:r>
             <a:r>
-              <a:rPr lang="en-US" sz="2400" dirty="0" err="1"/>
+              <a:rPr lang="en-US" sz="2246" dirty="0" err="1"/>
               <a:t>openneuro.org</a:t>
             </a:r>
             <a:r>
-              <a:rPr lang="en-US" sz="2400" dirty="0"/>
+              <a:rPr lang="en-US" sz="2246" dirty="0"/>
               <a:t>. The BIDS Validator will tell you if the dataset is valid and you can collect, view, or run analysis on this standardized structure.</a:t>
             </a:r>
           </a:p>
@@ -6915,8 +6920,8 @@
         </p:blipFill>
         <p:spPr>
           <a:xfrm>
-            <a:off x="8178338" y="17076977"/>
-            <a:ext cx="2411449" cy="2411449"/>
+            <a:off x="8516896" y="15715794"/>
+            <a:ext cx="2256911" cy="2256911"/>
           </a:xfrm>
           <a:prstGeom prst="rect">
             <a:avLst/>
@@ -6954,8 +6959,8 @@
         </p:blipFill>
         <p:spPr>
           <a:xfrm>
-            <a:off x="16385428" y="17076977"/>
-            <a:ext cx="2411448" cy="2411448"/>
+            <a:off x="16198033" y="15715793"/>
+            <a:ext cx="2256910" cy="2256910"/>
           </a:xfrm>
           <a:prstGeom prst="rect">
             <a:avLst/>
@@ -6976,8 +6981,8 @@
         </p:nvSpPr>
         <p:spPr>
           <a:xfrm>
-            <a:off x="6144705" y="17792359"/>
-            <a:ext cx="1797604" cy="830997"/>
+            <a:off x="6613588" y="16385330"/>
+            <a:ext cx="1682404" cy="797358"/>
           </a:xfrm>
           <a:prstGeom prst="rect">
             <a:avLst/>
@@ -6991,7 +6996,7 @@
           <a:lstStyle/>
           <a:p>
             <a:r>
-              <a:rPr lang="en-US" sz="2400" dirty="0"/>
+              <a:rPr lang="en-US" sz="2246" dirty="0"/>
               <a:t>Learn more about BIDS</a:t>
             </a:r>
           </a:p>
@@ -7011,8 +7016,8 @@
         </p:nvSpPr>
         <p:spPr>
           <a:xfrm>
-            <a:off x="14459845" y="17795330"/>
-            <a:ext cx="1797604" cy="830997"/>
+            <a:off x="14395852" y="16388111"/>
+            <a:ext cx="1682404" cy="783548"/>
           </a:xfrm>
           <a:prstGeom prst="rect">
             <a:avLst/>
@@ -7026,7 +7031,7 @@
           <a:lstStyle/>
           <a:p>
             <a:r>
-              <a:rPr lang="en-US" sz="2400" dirty="0"/>
+              <a:rPr lang="en-US" sz="2246" dirty="0"/>
               <a:t>Read about  BEP009</a:t>
             </a:r>
           </a:p>
@@ -7046,8 +7051,8 @@
         </p:nvSpPr>
         <p:spPr>
           <a:xfrm>
-            <a:off x="10182886" y="26735511"/>
-            <a:ext cx="2411448" cy="830997"/>
+            <a:off x="10392981" y="24755359"/>
+            <a:ext cx="2256910" cy="797358"/>
           </a:xfrm>
           <a:prstGeom prst="rect">
             <a:avLst/>
@@ -7061,7 +7066,7 @@
           <a:lstStyle/>
           <a:p>
             <a:r>
-              <a:rPr lang="en-US" sz="2400" dirty="0"/>
+              <a:rPr lang="en-US" sz="2246" dirty="0"/>
               <a:t>Use a PET BIDS Converter</a:t>
             </a:r>
           </a:p>
@@ -7098,8 +7103,8 @@
         </p:blipFill>
         <p:spPr>
           <a:xfrm>
-            <a:off x="12608887" y="26099188"/>
-            <a:ext cx="2411448" cy="2411448"/>
+            <a:off x="12663512" y="24159815"/>
+            <a:ext cx="2256910" cy="2256910"/>
           </a:xfrm>
           <a:prstGeom prst="rect">
             <a:avLst/>
@@ -7137,8 +7142,8 @@
         </p:blipFill>
         <p:spPr>
           <a:xfrm>
-            <a:off x="17873128" y="26087353"/>
-            <a:ext cx="2411447" cy="2411447"/>
+            <a:off x="17590394" y="24148738"/>
+            <a:ext cx="2256910" cy="2256910"/>
           </a:xfrm>
           <a:prstGeom prst="rect">
             <a:avLst/>
@@ -7159,8 +7164,8 @@
         </p:nvSpPr>
         <p:spPr>
           <a:xfrm>
-            <a:off x="15388392" y="26746200"/>
-            <a:ext cx="2061408" cy="830997"/>
+            <a:off x="15264892" y="24765363"/>
+            <a:ext cx="1929303" cy="783548"/>
           </a:xfrm>
           <a:prstGeom prst="rect">
             <a:avLst/>
@@ -7174,7 +7179,7 @@
           <a:lstStyle/>
           <a:p>
             <a:r>
-              <a:rPr lang="en-US" sz="2400" dirty="0"/>
+              <a:rPr lang="en-US" sz="2246" dirty="0"/>
               <a:t>Use the BIDS Validator</a:t>
             </a:r>
           </a:p>
@@ -7196,8 +7201,8 @@
         </p:nvSpPr>
         <p:spPr bwMode="auto">
           <a:xfrm>
-            <a:off x="762000" y="19676047"/>
-            <a:ext cx="20796332" cy="1126553"/>
+            <a:off x="1575833" y="18148301"/>
+            <a:ext cx="19463598" cy="1054358"/>
           </a:xfrm>
           <a:prstGeom prst="rect">
             <a:avLst/>
@@ -7211,7 +7216,7 @@
           </a:ln>
         </p:spPr>
         <p:txBody>
-          <a:bodyPr wrap="none" lIns="274320" tIns="73152" rIns="274320" bIns="68563" anchor="ctr" anchorCtr="0"/>
+          <a:bodyPr wrap="none" lIns="256740" tIns="68464" rIns="256740" bIns="64169" anchor="ctr" anchorCtr="0"/>
           <a:lstStyle>
             <a:defPPr>
               <a:defRPr lang="en-US"/>
@@ -7401,11 +7406,11 @@
             </a:lvl9pPr>
           </a:lstStyle>
           <a:p>
-            <a:pPr defTabSz="4702588">
+            <a:pPr defTabSz="4401089">
               <a:defRPr/>
             </a:pPr>
             <a:r>
-              <a:rPr lang="en-US" sz="4200" dirty="0">
+              <a:rPr lang="en-US" sz="3931" dirty="0">
                 <a:solidFill>
                   <a:schemeClr val="bg1"/>
                 </a:solidFill>
@@ -7433,8 +7438,8 @@
         </p:nvSpPr>
         <p:spPr bwMode="auto">
           <a:xfrm>
-            <a:off x="22632076" y="16595338"/>
-            <a:ext cx="20269199" cy="2908489"/>
+            <a:off x="22044365" y="15265020"/>
+            <a:ext cx="18970246" cy="2767690"/>
           </a:xfrm>
           <a:prstGeom prst="rect">
             <a:avLst/>
@@ -7473,7 +7478,7 @@
           </a:extLst>
         </p:spPr>
         <p:txBody>
-          <a:bodyPr wrap="square" lIns="137160" tIns="68580" rIns="137160" bIns="68580">
+          <a:bodyPr wrap="square" lIns="128370" tIns="64185" rIns="128370" bIns="64185">
             <a:spAutoFit/>
           </a:bodyPr>
           <a:lstStyle>
@@ -7579,7 +7584,7 @@
           </a:lstStyle>
           <a:p>
             <a:r>
-              <a:rPr lang="en-US" sz="3600" dirty="0">
+              <a:rPr lang="en-US" sz="3369" dirty="0">
                 <a:latin typeface="Titillium Web" panose="00000500000000000000" pitchFamily="2" charset="0"/>
                 <a:ea typeface="Open Sans" panose="020B0606030504020204" pitchFamily="34" charset="0"/>
                 <a:cs typeface="Open Sans" panose="020B0606030504020204" pitchFamily="34" charset="0"/>
@@ -7588,7 +7593,7 @@
             </a:r>
           </a:p>
           <a:p>
-            <a:endParaRPr lang="en-US" sz="3600" dirty="0">
+            <a:endParaRPr lang="en-US" sz="3369" dirty="0">
               <a:latin typeface="Titillium Web" panose="00000500000000000000" pitchFamily="2" charset="0"/>
               <a:ea typeface="Open Sans" panose="020B0606030504020204" pitchFamily="34" charset="0"/>
               <a:cs typeface="Open Sans" panose="020B0606030504020204" pitchFamily="34" charset="0"/>
@@ -7596,7 +7601,7 @@
           </a:p>
           <a:p>
             <a:r>
-              <a:rPr lang="en-US" sz="3600" dirty="0">
+              <a:rPr lang="en-US" sz="3369" dirty="0">
                 <a:latin typeface="Titillium Web" panose="00000500000000000000" pitchFamily="2" charset="0"/>
                 <a:ea typeface="Open Sans" panose="020B0606030504020204" pitchFamily="34" charset="0"/>
                 <a:cs typeface="Open Sans" panose="020B0606030504020204" pitchFamily="34" charset="0"/>
@@ -7620,8 +7625,8 @@
         </p:nvSpPr>
         <p:spPr>
           <a:xfrm>
-            <a:off x="22954590" y="19701208"/>
-            <a:ext cx="11829644" cy="3108543"/>
+            <a:off x="22346211" y="18171850"/>
+            <a:ext cx="11071540" cy="2966015"/>
           </a:xfrm>
           <a:prstGeom prst="rect">
             <a:avLst/>
@@ -7634,42 +7639,42 @@
           </a:bodyPr>
           <a:lstStyle/>
           <a:p>
-            <a:pPr marL="342900" indent="-342900">
+            <a:pPr marL="320915" indent="-320915">
               <a:buFontTx/>
               <a:buChar char="-"/>
             </a:pPr>
             <a:r>
-              <a:rPr lang="en-US" sz="2800" dirty="0"/>
+              <a:rPr lang="en-US" sz="2620" dirty="0"/>
               <a:t>Conversion of reconstructed PET data and metadata into BIDS</a:t>
             </a:r>
           </a:p>
           <a:p>
-            <a:pPr marL="342900" indent="-342900">
+            <a:pPr marL="320915" indent="-320915">
               <a:buFontTx/>
               <a:buChar char="-"/>
             </a:pPr>
             <a:r>
-              <a:rPr lang="en-US" sz="2800" dirty="0"/>
+              <a:rPr lang="en-US" sz="2620" dirty="0"/>
               <a:t>Supporting the addition of GDPR-DUA upload portals for OpenNeuro.org</a:t>
             </a:r>
           </a:p>
           <a:p>
-            <a:pPr marL="342900" indent="-342900">
+            <a:pPr marL="320915" indent="-320915">
               <a:buFontTx/>
               <a:buChar char="-"/>
             </a:pPr>
             <a:r>
-              <a:rPr lang="en-US" sz="2800" dirty="0"/>
+              <a:rPr lang="en-US" sz="2620" dirty="0"/>
               <a:t>Reaching out to senior PET experts while extending BIDS further with BIDS extension proposal 023 to include pre-processing derivatives</a:t>
             </a:r>
           </a:p>
           <a:p>
-            <a:pPr marL="457200" indent="-457200">
+            <a:pPr marL="427888" indent="-427888">
               <a:buFontTx/>
               <a:buChar char="-"/>
             </a:pPr>
             <a:r>
-              <a:rPr lang="en-US" sz="2800" dirty="0"/>
+              <a:rPr lang="en-US" sz="2620" dirty="0"/>
               <a:t>Working with popular neuroimaging tool makers to better support PET imaging  </a:t>
             </a:r>
           </a:p>
@@ -7691,8 +7696,8 @@
         </p:nvSpPr>
         <p:spPr bwMode="auto">
           <a:xfrm>
-            <a:off x="36848145" y="23193698"/>
-            <a:ext cx="4293344" cy="507831"/>
+            <a:off x="35349396" y="21440524"/>
+            <a:ext cx="4018204" cy="475231"/>
           </a:xfrm>
           <a:prstGeom prst="rect">
             <a:avLst/>
@@ -7731,7 +7736,7 @@
           </a:extLst>
         </p:spPr>
         <p:txBody>
-          <a:bodyPr wrap="square" lIns="137160" tIns="68580" rIns="137160" bIns="68580">
+          <a:bodyPr wrap="square" lIns="128370" tIns="64185" rIns="128370" bIns="64185">
             <a:spAutoFit/>
           </a:bodyPr>
           <a:lstStyle>
@@ -7837,7 +7842,7 @@
           </a:lstStyle>
           <a:p>
             <a:r>
-              <a:rPr lang="en-US" sz="2400" dirty="0">
+              <a:rPr lang="en-US" sz="2246" dirty="0">
                 <a:latin typeface="Titillium Web" panose="00000500000000000000" pitchFamily="2" charset="0"/>
                 <a:ea typeface="Open Sans" panose="020B0606030504020204" pitchFamily="34" charset="0"/>
                 <a:cs typeface="Open Sans" panose="020B0606030504020204" pitchFamily="34" charset="0"/>
@@ -7845,7 +7850,7 @@
               </a:rPr>
               <a:t>https://openneuropet.github.io</a:t>
             </a:r>
-            <a:endParaRPr lang="en-US" sz="2400" dirty="0">
+            <a:endParaRPr lang="en-US" sz="2246" dirty="0">
               <a:latin typeface="Titillium Web" panose="00000500000000000000" pitchFamily="2" charset="0"/>
               <a:ea typeface="Open Sans" panose="020B0606030504020204" pitchFamily="34" charset="0"/>
               <a:cs typeface="Open Sans" panose="020B0606030504020204" pitchFamily="34" charset="0"/>
@@ -7867,8 +7872,8 @@
         </p:nvSpPr>
         <p:spPr>
           <a:xfrm>
-            <a:off x="998357" y="24530752"/>
-            <a:ext cx="4007155" cy="1569660"/>
+            <a:off x="1797044" y="22691892"/>
+            <a:ext cx="3750356" cy="1500756"/>
           </a:xfrm>
           <a:prstGeom prst="rect">
             <a:avLst/>
@@ -7882,7 +7887,7 @@
           <a:lstStyle/>
           <a:p>
             <a:r>
-              <a:rPr lang="en-US" sz="2400" dirty="0"/>
+              <a:rPr lang="en-US" sz="2246" dirty="0"/>
               <a:t>There isn’t any PET BIDS data to study or create tools, analysis, or pipelines for.</a:t>
             </a:r>
           </a:p>
@@ -7902,8 +7907,8 @@
         </p:nvSpPr>
         <p:spPr>
           <a:xfrm>
-            <a:off x="6203645" y="24438698"/>
-            <a:ext cx="4007155" cy="1569660"/>
+            <a:off x="6668751" y="22605737"/>
+            <a:ext cx="3750356" cy="1474763"/>
           </a:xfrm>
           <a:prstGeom prst="rect">
             <a:avLst/>
@@ -7917,13 +7922,13 @@
           <a:lstStyle/>
           <a:p>
             <a:r>
-              <a:rPr lang="en-US" sz="2400" dirty="0"/>
+              <a:rPr lang="en-US" sz="2246" dirty="0"/>
               <a:t>There’s no reason to convert PET data into BIDS,</a:t>
             </a:r>
           </a:p>
           <a:p>
             <a:r>
-              <a:rPr lang="en-US" sz="2400" dirty="0"/>
+              <a:rPr lang="en-US" sz="2246" dirty="0"/>
               <a:t>Or it’s too difficult to even bother.</a:t>
             </a:r>
           </a:p>
@@ -7960,8 +7965,8 @@
         </p:blipFill>
         <p:spPr>
           <a:xfrm>
-            <a:off x="1288587" y="22729552"/>
-            <a:ext cx="1825922" cy="1825922"/>
+            <a:off x="2068675" y="21006123"/>
+            <a:ext cx="1708907" cy="1708907"/>
           </a:xfrm>
           <a:prstGeom prst="rect">
             <a:avLst/>
@@ -7999,8 +8004,8 @@
         </p:blipFill>
         <p:spPr>
           <a:xfrm>
-            <a:off x="7340799" y="22873765"/>
-            <a:ext cx="1320899" cy="1320899"/>
+            <a:off x="7733031" y="21141094"/>
+            <a:ext cx="1236249" cy="1236249"/>
           </a:xfrm>
           <a:prstGeom prst="rect">
             <a:avLst/>
@@ -8021,8 +8026,8 @@
         </p:nvSpPr>
         <p:spPr bwMode="auto">
           <a:xfrm>
-            <a:off x="1805112" y="25984200"/>
-            <a:ext cx="6400800" cy="1219200"/>
+            <a:off x="2552098" y="24052196"/>
+            <a:ext cx="5990604" cy="1141067"/>
           </a:xfrm>
           <a:prstGeom prst="curvedUpArrow">
             <a:avLst/>
@@ -8042,37 +8047,15 @@
           <a:effectLst/>
         </p:spPr>
         <p:txBody>
-          <a:bodyPr vert="horz" wrap="square" lIns="91440" tIns="45720" rIns="91440" bIns="45720" numCol="1" rtlCol="0" anchor="t" anchorCtr="0" compatLnSpc="1">
+          <a:bodyPr vert="horz" wrap="square" lIns="85580" tIns="42790" rIns="85580" bIns="42790" numCol="1" rtlCol="0" anchor="t" anchorCtr="0" compatLnSpc="1">
             <a:prstTxWarp prst="textNoShape">
               <a:avLst/>
             </a:prstTxWarp>
           </a:bodyPr>
           <a:lstStyle/>
           <a:p>
-            <a:pPr marL="0" marR="0" indent="0" algn="l" defTabSz="4703763" rtl="0" eaLnBrk="1" fontAlgn="base" latinLnBrk="0" hangingPunct="1">
-              <a:lnSpc>
-                <a:spcPct val="100000"/>
-              </a:lnSpc>
-              <a:spcBef>
-                <a:spcPct val="0"/>
-              </a:spcBef>
-              <a:spcAft>
-                <a:spcPct val="0"/>
-              </a:spcAft>
-              <a:buClrTx/>
-              <a:buSzTx/>
-              <a:buFontTx/>
-              <a:buNone/>
-              <a:tabLst/>
-            </a:pPr>
-            <a:endParaRPr kumimoji="0" lang="en-US" sz="3800" b="0" i="0" u="none" strike="noStrike" cap="none" normalizeH="0" baseline="0">
-              <a:ln>
-                <a:noFill/>
-              </a:ln>
-              <a:solidFill>
-                <a:schemeClr val="tx1"/>
-              </a:solidFill>
-              <a:effectLst/>
+            <a:pPr defTabSz="4402189"/>
+            <a:endParaRPr lang="en-US" sz="3557">
               <a:latin typeface="Arial" charset="0"/>
             </a:endParaRPr>
           </a:p>
@@ -8092,8 +8075,8 @@
         </p:nvSpPr>
         <p:spPr bwMode="auto">
           <a:xfrm flipH="1" flipV="1">
-            <a:off x="1816425" y="21510352"/>
-            <a:ext cx="6400800" cy="1219200"/>
+            <a:off x="2562686" y="19865055"/>
+            <a:ext cx="5990604" cy="1141067"/>
           </a:xfrm>
           <a:prstGeom prst="curvedUpArrow">
             <a:avLst/>
@@ -8113,37 +8096,15 @@
           <a:effectLst/>
         </p:spPr>
         <p:txBody>
-          <a:bodyPr vert="horz" wrap="square" lIns="91440" tIns="45720" rIns="91440" bIns="45720" numCol="1" rtlCol="0" anchor="t" anchorCtr="0" compatLnSpc="1">
+          <a:bodyPr vert="horz" wrap="square" lIns="85580" tIns="42790" rIns="85580" bIns="42790" numCol="1" rtlCol="0" anchor="t" anchorCtr="0" compatLnSpc="1">
             <a:prstTxWarp prst="textNoShape">
               <a:avLst/>
             </a:prstTxWarp>
           </a:bodyPr>
           <a:lstStyle/>
           <a:p>
-            <a:pPr marL="0" marR="0" indent="0" algn="l" defTabSz="4703763" rtl="0" eaLnBrk="1" fontAlgn="base" latinLnBrk="0" hangingPunct="1">
-              <a:lnSpc>
-                <a:spcPct val="100000"/>
-              </a:lnSpc>
-              <a:spcBef>
-                <a:spcPct val="0"/>
-              </a:spcBef>
-              <a:spcAft>
-                <a:spcPct val="0"/>
-              </a:spcAft>
-              <a:buClrTx/>
-              <a:buSzTx/>
-              <a:buFontTx/>
-              <a:buNone/>
-              <a:tabLst/>
-            </a:pPr>
-            <a:endParaRPr kumimoji="0" lang="en-US" sz="3800" b="0" i="0" u="none" strike="noStrike" cap="none" normalizeH="0" baseline="0">
-              <a:ln>
-                <a:noFill/>
-              </a:ln>
-              <a:solidFill>
-                <a:schemeClr val="tx1"/>
-              </a:solidFill>
-              <a:effectLst/>
+            <a:pPr defTabSz="4402189"/>
+            <a:endParaRPr lang="en-US" sz="3557">
               <a:latin typeface="Arial" charset="0"/>
             </a:endParaRPr>
           </a:p>
@@ -8165,8 +8126,8 @@
         </p:nvSpPr>
         <p:spPr bwMode="auto">
           <a:xfrm>
-            <a:off x="10180888" y="21202042"/>
-            <a:ext cx="10981065" cy="4447371"/>
+            <a:off x="10391113" y="19576503"/>
+            <a:ext cx="10277343" cy="4161497"/>
           </a:xfrm>
           <a:prstGeom prst="rect">
             <a:avLst/>
@@ -8205,7 +8166,7 @@
           </a:extLst>
         </p:spPr>
         <p:txBody>
-          <a:bodyPr wrap="square" lIns="137160" tIns="68580" rIns="137160" bIns="68580">
+          <a:bodyPr wrap="square" lIns="128370" tIns="64185" rIns="128370" bIns="64185">
             <a:spAutoFit/>
           </a:bodyPr>
           <a:lstStyle>
@@ -8311,7 +8272,7 @@
           </a:lstStyle>
           <a:p>
             <a:r>
-              <a:rPr lang="en-US" sz="2800" dirty="0">
+              <a:rPr lang="en-US" sz="2620" dirty="0">
                 <a:latin typeface="Titillium Web" panose="00000500000000000000" pitchFamily="2" charset="0"/>
                 <a:ea typeface="Open Sans" panose="020B0606030504020204" pitchFamily="34" charset="0"/>
                 <a:cs typeface="Open Sans" panose="020B0606030504020204" pitchFamily="34" charset="0"/>
@@ -8337,8 +8298,8 @@
         </p:nvSpPr>
         <p:spPr bwMode="auto">
           <a:xfrm>
-            <a:off x="23034119" y="25256338"/>
-            <a:ext cx="11054173" cy="2908489"/>
+            <a:off x="22420642" y="23370980"/>
+            <a:ext cx="10345766" cy="2767690"/>
           </a:xfrm>
           <a:prstGeom prst="rect">
             <a:avLst/>
@@ -8377,7 +8338,7 @@
           </a:extLst>
         </p:spPr>
         <p:txBody>
-          <a:bodyPr wrap="square" lIns="137160" tIns="68580" rIns="137160" bIns="68580">
+          <a:bodyPr wrap="square" lIns="128370" tIns="64185" rIns="128370" bIns="64185">
             <a:spAutoFit/>
           </a:bodyPr>
           <a:lstStyle>
@@ -8483,7 +8444,7 @@
           </a:lstStyle>
           <a:p>
             <a:r>
-              <a:rPr lang="en-US" sz="3600" dirty="0">
+              <a:rPr lang="en-US" sz="3369" dirty="0">
                 <a:latin typeface="Arial" panose="020B0604020202020204" pitchFamily="34" charset="0"/>
                 <a:ea typeface="+mj-ea"/>
                 <a:cs typeface="Arial" panose="020B0604020202020204" pitchFamily="34" charset="0"/>
@@ -8521,8 +8482,8 @@
         </p:blipFill>
         <p:spPr>
           <a:xfrm>
-            <a:off x="39621445" y="25603460"/>
-            <a:ext cx="2748312" cy="1980680"/>
+            <a:off x="37944969" y="23695856"/>
+            <a:ext cx="2572186" cy="1853748"/>
           </a:xfrm>
           <a:prstGeom prst="rect">
             <a:avLst/>
@@ -8557,8 +8518,8 @@
         </p:blipFill>
         <p:spPr>
           <a:xfrm>
-            <a:off x="35397966" y="25649413"/>
-            <a:ext cx="2374900" cy="2082800"/>
+            <a:off x="33992152" y="23738865"/>
+            <a:ext cx="2222704" cy="1949323"/>
           </a:xfrm>
           <a:prstGeom prst="rect">
             <a:avLst/>
@@ -8581,8 +8542,8 @@
         </p:nvSpPr>
         <p:spPr bwMode="auto">
           <a:xfrm>
-            <a:off x="22852063" y="22994299"/>
-            <a:ext cx="11753342" cy="1246495"/>
+            <a:off x="22250253" y="21253902"/>
+            <a:ext cx="11000129" cy="1184850"/>
           </a:xfrm>
           <a:prstGeom prst="rect">
             <a:avLst/>
@@ -8621,7 +8582,7 @@
           </a:extLst>
         </p:spPr>
         <p:txBody>
-          <a:bodyPr wrap="square" lIns="137160" tIns="68580" rIns="137160" bIns="68580">
+          <a:bodyPr wrap="square" lIns="128370" tIns="64185" rIns="128370" bIns="64185">
             <a:spAutoFit/>
           </a:bodyPr>
           <a:lstStyle>
@@ -8727,7 +8688,7 @@
           </a:lstStyle>
           <a:p>
             <a:r>
-              <a:rPr lang="en-US" sz="3600" dirty="0">
+              <a:rPr lang="en-US" sz="3369" dirty="0">
                 <a:latin typeface="Titillium Web" panose="00000500000000000000" pitchFamily="2" charset="0"/>
                 <a:ea typeface="Open Sans" panose="020B0606030504020204" pitchFamily="34" charset="0"/>
                 <a:cs typeface="Open Sans" panose="020B0606030504020204" pitchFamily="34" charset="0"/>
